--- a/Python Fundamentals.pptx
+++ b/Python Fundamentals.pptx
@@ -5,13 +5,15 @@
     <p:sldMasterId id="2147483660" r:id="rId1"/>
   </p:sldMasterIdLst>
   <p:notesMasterIdLst>
-    <p:notesMasterId r:id="rId6"/>
+    <p:notesMasterId r:id="rId8"/>
   </p:notesMasterIdLst>
   <p:sldIdLst>
     <p:sldId id="256" r:id="rId2"/>
     <p:sldId id="258" r:id="rId3"/>
     <p:sldId id="259" r:id="rId4"/>
     <p:sldId id="260" r:id="rId5"/>
+    <p:sldId id="261" r:id="rId6"/>
+    <p:sldId id="262" r:id="rId7"/>
   </p:sldIdLst>
   <p:sldSz cx="9144000" cy="6858000" type="screen4x3"/>
   <p:notesSz cx="6858000" cy="9144000"/>
@@ -110,6 +112,22 @@
       </a:defRPr>
     </a:lvl9pPr>
   </p:defaultTextStyle>
+  <p:extLst>
+    <p:ext uri="{EFAFB233-063F-42B5-8137-9DF3F51BA10A}">
+      <p15:sldGuideLst xmlns:p15="http://schemas.microsoft.com/office/powerpoint/2012/main">
+        <p15:guide id="1" orient="horz" pos="2160">
+          <p15:clr>
+            <a:srgbClr val="A4A3A4"/>
+          </p15:clr>
+        </p15:guide>
+        <p15:guide id="2" pos="2880">
+          <p15:clr>
+            <a:srgbClr val="A4A3A4"/>
+          </p15:clr>
+        </p15:guide>
+      </p15:sldGuideLst>
+    </p:ext>
+  </p:extLst>
 </p:presentation>
 </file>
 
@@ -259,35 +277,35 @@
           <a:p>
             <a:pPr lvl="0"/>
             <a:r>
-              <a:rPr lang="en-US" smtClean="0"/>
+              <a:rPr lang="en-US"/>
               <a:t>Click to edit Master text styles</a:t>
             </a:r>
           </a:p>
           <a:p>
             <a:pPr lvl="1"/>
             <a:r>
-              <a:rPr lang="en-US" smtClean="0"/>
+              <a:rPr lang="en-US"/>
               <a:t>Second level</a:t>
             </a:r>
           </a:p>
           <a:p>
             <a:pPr lvl="2"/>
             <a:r>
-              <a:rPr lang="en-US" smtClean="0"/>
+              <a:rPr lang="en-US"/>
               <a:t>Third level</a:t>
             </a:r>
           </a:p>
           <a:p>
             <a:pPr lvl="3"/>
             <a:r>
-              <a:rPr lang="en-US" smtClean="0"/>
+              <a:rPr lang="en-US"/>
               <a:t>Fourth level</a:t>
             </a:r>
           </a:p>
           <a:p>
             <a:pPr lvl="4"/>
             <a:r>
-              <a:rPr lang="en-US" smtClean="0"/>
+              <a:rPr lang="en-US"/>
               <a:t>Fifth level</a:t>
             </a:r>
             <a:endParaRPr lang="en-AU"/>
@@ -595,21 +613,21 @@
               <a:buAutoNum type="arabicPeriod"/>
             </a:pPr>
             <a:r>
-              <a:rPr lang="en-AU" baseline="0" dirty="0" smtClean="0"/>
+              <a:rPr lang="en-AU" baseline="0" dirty="0"/>
               <a:t>Default Python implementation of Python in </a:t>
             </a:r>
             <a:r>
-              <a:rPr lang="en-AU" baseline="0" dirty="0" err="1" smtClean="0"/>
+              <a:rPr lang="en-AU" baseline="0" dirty="0" err="1"/>
               <a:t>Cpython</a:t>
             </a:r>
-            <a:endParaRPr lang="en-AU" baseline="0" dirty="0" smtClean="0"/>
+            <a:endParaRPr lang="en-AU" baseline="0" dirty="0"/>
           </a:p>
           <a:p>
             <a:pPr marL="228600" indent="-228600">
               <a:buAutoNum type="arabicPeriod"/>
             </a:pPr>
             <a:r>
-              <a:rPr lang="en-AU" baseline="0" dirty="0" smtClean="0"/>
+              <a:rPr lang="en-AU" baseline="0" dirty="0"/>
               <a:t>High level programming language is which uses natural language element</a:t>
             </a:r>
           </a:p>
@@ -705,21 +723,16 @@
               <a:buAutoNum type="arabicPeriod"/>
             </a:pPr>
             <a:r>
-              <a:rPr lang="en-AU" baseline="0" dirty="0" smtClean="0"/>
-              <a:t>Default Python implementation of Python in </a:t>
-            </a:r>
-            <a:r>
-              <a:rPr lang="en-AU" baseline="0" dirty="0" err="1" smtClean="0"/>
-              <a:t>Cpython</a:t>
-            </a:r>
-            <a:endParaRPr lang="en-AU" baseline="0" dirty="0" smtClean="0"/>
+              <a:rPr lang="en-AU" baseline="0" dirty="0"/>
+              <a:t>Default Python implementation of Python in C Python</a:t>
+            </a:r>
           </a:p>
           <a:p>
             <a:pPr marL="228600" indent="-228600">
               <a:buAutoNum type="arabicPeriod"/>
             </a:pPr>
             <a:r>
-              <a:rPr lang="en-AU" baseline="0" dirty="0" smtClean="0"/>
+              <a:rPr lang="en-AU" baseline="0" dirty="0"/>
               <a:t>High level programming language is which uses natural language element</a:t>
             </a:r>
           </a:p>
@@ -727,7 +740,10 @@
             <a:pPr marL="228600" indent="-228600">
               <a:buAutoNum type="arabicPeriod"/>
             </a:pPr>
-            <a:endParaRPr lang="en-AU" dirty="0"/>
+            <a:r>
+              <a:rPr lang="en-AU" dirty="0"/>
+              <a:t>No Compile/build time</a:t>
+            </a:r>
           </a:p>
         </p:txBody>
       </p:sp>
@@ -758,6 +774,222 @@
     <p:extLst>
       <p:ext uri="{BB962C8B-B14F-4D97-AF65-F5344CB8AC3E}">
         <p14:creationId xmlns:p14="http://schemas.microsoft.com/office/powerpoint/2010/main" val="1749416975"/>
+      </p:ext>
+    </p:extLst>
+  </p:cSld>
+  <p:clrMapOvr>
+    <a:masterClrMapping/>
+  </p:clrMapOvr>
+</p:notes>
+</file>
+
+<file path=ppt/notesSlides/notesSlide4.xml><?xml version="1.0" encoding="utf-8"?>
+<p:notes xmlns:a="http://schemas.openxmlformats.org/drawingml/2006/main" xmlns:r="http://schemas.openxmlformats.org/officeDocument/2006/relationships" xmlns:p="http://schemas.openxmlformats.org/presentationml/2006/main">
+  <p:cSld>
+    <p:spTree>
+      <p:nvGrpSpPr>
+        <p:cNvPr id="1" name=""/>
+        <p:cNvGrpSpPr/>
+        <p:nvPr/>
+      </p:nvGrpSpPr>
+      <p:grpSpPr>
+        <a:xfrm>
+          <a:off x="0" y="0"/>
+          <a:ext cx="0" cy="0"/>
+          <a:chOff x="0" y="0"/>
+          <a:chExt cx="0" cy="0"/>
+        </a:xfrm>
+      </p:grpSpPr>
+      <p:sp>
+        <p:nvSpPr>
+          <p:cNvPr id="2" name="Slide Image Placeholder 1"/>
+          <p:cNvSpPr>
+            <a:spLocks noGrp="1" noRot="1" noChangeAspect="1"/>
+          </p:cNvSpPr>
+          <p:nvPr>
+            <p:ph type="sldImg"/>
+          </p:nvPr>
+        </p:nvSpPr>
+        <p:spPr/>
+      </p:sp>
+      <p:sp>
+        <p:nvSpPr>
+          <p:cNvPr id="3" name="Notes Placeholder 2"/>
+          <p:cNvSpPr>
+            <a:spLocks noGrp="1"/>
+          </p:cNvSpPr>
+          <p:nvPr>
+            <p:ph type="body" idx="1"/>
+          </p:nvPr>
+        </p:nvSpPr>
+        <p:spPr/>
+        <p:txBody>
+          <a:bodyPr/>
+          <a:lstStyle/>
+          <a:p>
+            <a:pPr marL="228600" indent="-228600">
+              <a:buAutoNum type="arabicPeriod"/>
+            </a:pPr>
+            <a:r>
+              <a:rPr lang="en-AU" baseline="0" dirty="0"/>
+              <a:t>Default Python implementation of Python in C Python</a:t>
+            </a:r>
+          </a:p>
+          <a:p>
+            <a:pPr marL="228600" indent="-228600">
+              <a:buAutoNum type="arabicPeriod"/>
+            </a:pPr>
+            <a:r>
+              <a:rPr lang="en-AU" baseline="0" dirty="0"/>
+              <a:t>High level programming language is which uses natural language element</a:t>
+            </a:r>
+          </a:p>
+          <a:p>
+            <a:pPr marL="228600" indent="-228600">
+              <a:buAutoNum type="arabicPeriod"/>
+            </a:pPr>
+            <a:r>
+              <a:rPr lang="en-AU" dirty="0"/>
+              <a:t>No Compile/build time</a:t>
+            </a:r>
+          </a:p>
+        </p:txBody>
+      </p:sp>
+      <p:sp>
+        <p:nvSpPr>
+          <p:cNvPr id="4" name="Slide Number Placeholder 3"/>
+          <p:cNvSpPr>
+            <a:spLocks noGrp="1"/>
+          </p:cNvSpPr>
+          <p:nvPr>
+            <p:ph type="sldNum" sz="quarter" idx="10"/>
+          </p:nvPr>
+        </p:nvSpPr>
+        <p:spPr/>
+        <p:txBody>
+          <a:bodyPr/>
+          <a:lstStyle/>
+          <a:p>
+            <a:fld id="{023A1B71-2D27-406E-91C4-36BACCD2CD85}" type="slidenum">
+              <a:rPr lang="en-AU" smtClean="0"/>
+              <a:t>5</a:t>
+            </a:fld>
+            <a:endParaRPr lang="en-AU"/>
+          </a:p>
+        </p:txBody>
+      </p:sp>
+    </p:spTree>
+    <p:extLst>
+      <p:ext uri="{BB962C8B-B14F-4D97-AF65-F5344CB8AC3E}">
+        <p14:creationId xmlns:p14="http://schemas.microsoft.com/office/powerpoint/2010/main" val="3623714303"/>
+      </p:ext>
+    </p:extLst>
+  </p:cSld>
+  <p:clrMapOvr>
+    <a:masterClrMapping/>
+  </p:clrMapOvr>
+</p:notes>
+</file>
+
+<file path=ppt/notesSlides/notesSlide5.xml><?xml version="1.0" encoding="utf-8"?>
+<p:notes xmlns:a="http://schemas.openxmlformats.org/drawingml/2006/main" xmlns:r="http://schemas.openxmlformats.org/officeDocument/2006/relationships" xmlns:p="http://schemas.openxmlformats.org/presentationml/2006/main">
+  <p:cSld>
+    <p:spTree>
+      <p:nvGrpSpPr>
+        <p:cNvPr id="1" name=""/>
+        <p:cNvGrpSpPr/>
+        <p:nvPr/>
+      </p:nvGrpSpPr>
+      <p:grpSpPr>
+        <a:xfrm>
+          <a:off x="0" y="0"/>
+          <a:ext cx="0" cy="0"/>
+          <a:chOff x="0" y="0"/>
+          <a:chExt cx="0" cy="0"/>
+        </a:xfrm>
+      </p:grpSpPr>
+      <p:sp>
+        <p:nvSpPr>
+          <p:cNvPr id="2" name="Slide Image Placeholder 1"/>
+          <p:cNvSpPr>
+            <a:spLocks noGrp="1" noRot="1" noChangeAspect="1"/>
+          </p:cNvSpPr>
+          <p:nvPr>
+            <p:ph type="sldImg"/>
+          </p:nvPr>
+        </p:nvSpPr>
+        <p:spPr/>
+      </p:sp>
+      <p:sp>
+        <p:nvSpPr>
+          <p:cNvPr id="3" name="Notes Placeholder 2"/>
+          <p:cNvSpPr>
+            <a:spLocks noGrp="1"/>
+          </p:cNvSpPr>
+          <p:nvPr>
+            <p:ph type="body" idx="1"/>
+          </p:nvPr>
+        </p:nvSpPr>
+        <p:spPr/>
+        <p:txBody>
+          <a:bodyPr/>
+          <a:lstStyle/>
+          <a:p>
+            <a:pPr marL="228600" indent="-228600">
+              <a:buAutoNum type="arabicPeriod"/>
+            </a:pPr>
+            <a:r>
+              <a:rPr lang="en-AU" baseline="0" dirty="0"/>
+              <a:t>Default Python implementation of Python in C Python</a:t>
+            </a:r>
+          </a:p>
+          <a:p>
+            <a:pPr marL="228600" indent="-228600">
+              <a:buAutoNum type="arabicPeriod"/>
+            </a:pPr>
+            <a:r>
+              <a:rPr lang="en-AU" baseline="0" dirty="0"/>
+              <a:t>High level programming language is which uses natural language element</a:t>
+            </a:r>
+          </a:p>
+          <a:p>
+            <a:pPr marL="228600" indent="-228600">
+              <a:buAutoNum type="arabicPeriod"/>
+            </a:pPr>
+            <a:r>
+              <a:rPr lang="en-AU" dirty="0"/>
+              <a:t>No Compile/build time</a:t>
+            </a:r>
+          </a:p>
+        </p:txBody>
+      </p:sp>
+      <p:sp>
+        <p:nvSpPr>
+          <p:cNvPr id="4" name="Slide Number Placeholder 3"/>
+          <p:cNvSpPr>
+            <a:spLocks noGrp="1"/>
+          </p:cNvSpPr>
+          <p:nvPr>
+            <p:ph type="sldNum" sz="quarter" idx="10"/>
+          </p:nvPr>
+        </p:nvSpPr>
+        <p:spPr/>
+        <p:txBody>
+          <a:bodyPr/>
+          <a:lstStyle/>
+          <a:p>
+            <a:fld id="{023A1B71-2D27-406E-91C4-36BACCD2CD85}" type="slidenum">
+              <a:rPr lang="en-AU" smtClean="0"/>
+              <a:t>6</a:t>
+            </a:fld>
+            <a:endParaRPr lang="en-AU"/>
+          </a:p>
+        </p:txBody>
+      </p:sp>
+    </p:spTree>
+    <p:extLst>
+      <p:ext uri="{BB962C8B-B14F-4D97-AF65-F5344CB8AC3E}">
+        <p14:creationId xmlns:p14="http://schemas.microsoft.com/office/powerpoint/2010/main" val="2886514651"/>
       </p:ext>
     </p:extLst>
   </p:cSld>
@@ -1023,10 +1255,9 @@
           </a:lstStyle>
           <a:p>
             <a:r>
-              <a:rPr kumimoji="0" lang="en-US" smtClean="0"/>
+              <a:rPr kumimoji="0" lang="en-US"/>
               <a:t>Click to edit Master subtitle style</a:t>
             </a:r>
-            <a:endParaRPr kumimoji="0" lang="en-US"/>
           </a:p>
         </p:txBody>
       </p:sp>
@@ -1046,7 +1277,7 @@
           <a:lstStyle/>
           <a:p>
             <a:r>
-              <a:rPr lang="en-US" smtClean="0"/>
+              <a:rPr lang="en-US"/>
               <a:t>1</a:t>
             </a:r>
             <a:endParaRPr lang="en-US" dirty="0"/>
@@ -1069,7 +1300,7 @@
           <a:lstStyle/>
           <a:p>
             <a:r>
-              <a:rPr lang="en-US" smtClean="0"/>
+              <a:rPr lang="en-US"/>
               <a:t>Kapil  Shukla</a:t>
             </a:r>
             <a:endParaRPr lang="en-US" dirty="0"/>
@@ -1316,10 +1547,9 @@
           </a:lstStyle>
           <a:p>
             <a:r>
-              <a:rPr kumimoji="0" lang="en-US" smtClean="0"/>
+              <a:rPr kumimoji="0" lang="en-US"/>
               <a:t>Click to edit Master title style</a:t>
             </a:r>
-            <a:endParaRPr kumimoji="0" lang="en-US"/>
           </a:p>
         </p:txBody>
       </p:sp>
@@ -1369,73 +1599,94 @@
           <a:lstStyle/>
           <a:p>
             <a:r>
-              <a:rPr kumimoji="0" lang="en-US" smtClean="0"/>
+              <a:rPr kumimoji="0" lang="en-US"/>
               <a:t>Click to edit Master title style</a:t>
             </a:r>
+          </a:p>
+        </p:txBody>
+      </p:sp>
+      <p:sp>
+        <p:nvSpPr>
+          <p:cNvPr id="3" name="Vertical Text Placeholder 2"/>
+          <p:cNvSpPr>
+            <a:spLocks noGrp="1"/>
+          </p:cNvSpPr>
+          <p:nvPr>
+            <p:ph type="body" orient="vert" idx="1"/>
+          </p:nvPr>
+        </p:nvSpPr>
+        <p:spPr/>
+        <p:txBody>
+          <a:bodyPr vert="eaVert"/>
+          <a:lstStyle/>
+          <a:p>
+            <a:pPr lvl="0" eaLnBrk="1" latinLnBrk="0" hangingPunct="1"/>
+            <a:r>
+              <a:rPr lang="en-US"/>
+              <a:t>Click to edit Master text styles</a:t>
+            </a:r>
+          </a:p>
+          <a:p>
+            <a:pPr lvl="1" eaLnBrk="1" latinLnBrk="0" hangingPunct="1"/>
+            <a:r>
+              <a:rPr lang="en-US"/>
+              <a:t>Second level</a:t>
+            </a:r>
+          </a:p>
+          <a:p>
+            <a:pPr lvl="2" eaLnBrk="1" latinLnBrk="0" hangingPunct="1"/>
+            <a:r>
+              <a:rPr lang="en-US"/>
+              <a:t>Third level</a:t>
+            </a:r>
+          </a:p>
+          <a:p>
+            <a:pPr lvl="3" eaLnBrk="1" latinLnBrk="0" hangingPunct="1"/>
+            <a:r>
+              <a:rPr lang="en-US"/>
+              <a:t>Fourth level</a:t>
+            </a:r>
+          </a:p>
+          <a:p>
+            <a:pPr lvl="4" eaLnBrk="1" latinLnBrk="0" hangingPunct="1"/>
+            <a:r>
+              <a:rPr lang="en-US"/>
+              <a:t>Fifth level</a:t>
+            </a:r>
             <a:endParaRPr kumimoji="0" lang="en-US"/>
           </a:p>
         </p:txBody>
       </p:sp>
       <p:sp>
         <p:nvSpPr>
-          <p:cNvPr id="3" name="Vertical Text Placeholder 2"/>
-          <p:cNvSpPr>
-            <a:spLocks noGrp="1"/>
-          </p:cNvSpPr>
-          <p:nvPr>
-            <p:ph type="body" orient="vert" idx="1"/>
+          <p:cNvPr id="4" name="Date Placeholder 3"/>
+          <p:cNvSpPr>
+            <a:spLocks noGrp="1"/>
+          </p:cNvSpPr>
+          <p:nvPr>
+            <p:ph type="dt" sz="half" idx="10"/>
           </p:nvPr>
         </p:nvSpPr>
         <p:spPr/>
         <p:txBody>
-          <a:bodyPr vert="eaVert"/>
-          <a:lstStyle/>
-          <a:p>
-            <a:pPr lvl="0" eaLnBrk="1" latinLnBrk="0" hangingPunct="1"/>
-            <a:r>
-              <a:rPr lang="en-US" smtClean="0"/>
-              <a:t>Click to edit Master text styles</a:t>
-            </a:r>
-          </a:p>
-          <a:p>
-            <a:pPr lvl="1" eaLnBrk="1" latinLnBrk="0" hangingPunct="1"/>
-            <a:r>
-              <a:rPr lang="en-US" smtClean="0"/>
-              <a:t>Second level</a:t>
-            </a:r>
-          </a:p>
-          <a:p>
-            <a:pPr lvl="2" eaLnBrk="1" latinLnBrk="0" hangingPunct="1"/>
-            <a:r>
-              <a:rPr lang="en-US" smtClean="0"/>
-              <a:t>Third level</a:t>
-            </a:r>
-          </a:p>
-          <a:p>
-            <a:pPr lvl="3" eaLnBrk="1" latinLnBrk="0" hangingPunct="1"/>
-            <a:r>
-              <a:rPr lang="en-US" smtClean="0"/>
-              <a:t>Fourth level</a:t>
-            </a:r>
-          </a:p>
-          <a:p>
-            <a:pPr lvl="4" eaLnBrk="1" latinLnBrk="0" hangingPunct="1"/>
-            <a:r>
-              <a:rPr lang="en-US" smtClean="0"/>
-              <a:t>Fifth level</a:t>
-            </a:r>
-            <a:endParaRPr kumimoji="0" lang="en-US"/>
-          </a:p>
-        </p:txBody>
-      </p:sp>
-      <p:sp>
-        <p:nvSpPr>
-          <p:cNvPr id="4" name="Date Placeholder 3"/>
-          <p:cNvSpPr>
-            <a:spLocks noGrp="1"/>
-          </p:cNvSpPr>
-          <p:nvPr>
-            <p:ph type="dt" sz="half" idx="10"/>
+          <a:bodyPr/>
+          <a:lstStyle/>
+          <a:p>
+            <a:r>
+              <a:rPr lang="en-US"/>
+              <a:t>1</a:t>
+            </a:r>
+          </a:p>
+        </p:txBody>
+      </p:sp>
+      <p:sp>
+        <p:nvSpPr>
+          <p:cNvPr id="5" name="Footer Placeholder 4"/>
+          <p:cNvSpPr>
+            <a:spLocks noGrp="1"/>
+          </p:cNvSpPr>
+          <p:nvPr>
+            <p:ph type="ftr" sz="quarter" idx="11"/>
           </p:nvPr>
         </p:nvSpPr>
         <p:spPr/>
@@ -1444,30 +1695,7 @@
           <a:lstStyle/>
           <a:p>
             <a:r>
-              <a:rPr lang="en-US" smtClean="0"/>
-              <a:t>1</a:t>
-            </a:r>
-            <a:endParaRPr lang="en-US"/>
-          </a:p>
-        </p:txBody>
-      </p:sp>
-      <p:sp>
-        <p:nvSpPr>
-          <p:cNvPr id="5" name="Footer Placeholder 4"/>
-          <p:cNvSpPr>
-            <a:spLocks noGrp="1"/>
-          </p:cNvSpPr>
-          <p:nvPr>
-            <p:ph type="ftr" sz="quarter" idx="11"/>
-          </p:nvPr>
-        </p:nvSpPr>
-        <p:spPr/>
-        <p:txBody>
-          <a:bodyPr/>
-          <a:lstStyle/>
-          <a:p>
-            <a:r>
-              <a:rPr lang="en-US" smtClean="0"/>
+              <a:rPr lang="en-US"/>
               <a:t>Kapil  Shukla</a:t>
             </a:r>
             <a:endParaRPr lang="en-US" dirty="0"/>
@@ -1931,35 +2159,35 @@
           <a:p>
             <a:pPr lvl="0" eaLnBrk="1" latinLnBrk="0" hangingPunct="1"/>
             <a:r>
-              <a:rPr lang="en-US" smtClean="0"/>
+              <a:rPr lang="en-US"/>
               <a:t>Click to edit Master text styles</a:t>
             </a:r>
           </a:p>
           <a:p>
             <a:pPr lvl="1" eaLnBrk="1" latinLnBrk="0" hangingPunct="1"/>
             <a:r>
-              <a:rPr lang="en-US" smtClean="0"/>
+              <a:rPr lang="en-US"/>
               <a:t>Second level</a:t>
             </a:r>
           </a:p>
           <a:p>
             <a:pPr lvl="2" eaLnBrk="1" latinLnBrk="0" hangingPunct="1"/>
             <a:r>
-              <a:rPr lang="en-US" smtClean="0"/>
+              <a:rPr lang="en-US"/>
               <a:t>Third level</a:t>
             </a:r>
           </a:p>
           <a:p>
             <a:pPr lvl="3" eaLnBrk="1" latinLnBrk="0" hangingPunct="1"/>
             <a:r>
-              <a:rPr lang="en-US" smtClean="0"/>
+              <a:rPr lang="en-US"/>
               <a:t>Fourth level</a:t>
             </a:r>
           </a:p>
           <a:p>
             <a:pPr lvl="4" eaLnBrk="1" latinLnBrk="0" hangingPunct="1"/>
             <a:r>
-              <a:rPr lang="en-US" smtClean="0"/>
+              <a:rPr lang="en-US"/>
               <a:t>Fifth level</a:t>
             </a:r>
             <a:endParaRPr kumimoji="0" lang="en-US"/>
@@ -1982,10 +2210,9 @@
           <a:lstStyle/>
           <a:p>
             <a:r>
-              <a:rPr lang="en-US" smtClean="0"/>
+              <a:rPr lang="en-US"/>
               <a:t>1</a:t>
             </a:r>
-            <a:endParaRPr lang="en-US"/>
           </a:p>
         </p:txBody>
       </p:sp>
@@ -2005,7 +2232,7 @@
           <a:lstStyle/>
           <a:p>
             <a:r>
-              <a:rPr lang="en-US" smtClean="0"/>
+              <a:rPr lang="en-US"/>
               <a:t>Kapil  Shukla</a:t>
             </a:r>
             <a:endParaRPr lang="en-US" dirty="0"/>
@@ -2033,10 +2260,9 @@
           <a:lstStyle/>
           <a:p>
             <a:r>
-              <a:rPr kumimoji="0" lang="en-US" smtClean="0"/>
+              <a:rPr kumimoji="0" lang="en-US"/>
               <a:t>Click to edit Master title style</a:t>
             </a:r>
-            <a:endParaRPr kumimoji="0" lang="en-US"/>
           </a:p>
         </p:txBody>
       </p:sp>
@@ -2096,10 +2322,9 @@
           </a:lstStyle>
           <a:p>
             <a:r>
-              <a:rPr kumimoji="0" lang="en-US" smtClean="0"/>
+              <a:rPr kumimoji="0" lang="en-US"/>
               <a:t>Click to edit Master title style</a:t>
             </a:r>
-            <a:endParaRPr kumimoji="0" lang="en-US"/>
           </a:p>
         </p:txBody>
       </p:sp>
@@ -2119,10 +2344,9 @@
           <a:lstStyle/>
           <a:p>
             <a:r>
-              <a:rPr lang="en-US" smtClean="0"/>
+              <a:rPr lang="en-US"/>
               <a:t>1</a:t>
             </a:r>
-            <a:endParaRPr lang="en-US"/>
           </a:p>
         </p:txBody>
       </p:sp>
@@ -2142,7 +2366,7 @@
           <a:lstStyle/>
           <a:p>
             <a:r>
-              <a:rPr lang="en-US" smtClean="0"/>
+              <a:rPr lang="en-US"/>
               <a:t>Kapil  Shukla</a:t>
             </a:r>
             <a:endParaRPr lang="en-US" dirty="0"/>
@@ -2200,35 +2424,35 @@
           <a:p>
             <a:pPr lvl="0" eaLnBrk="1" latinLnBrk="0" hangingPunct="1"/>
             <a:r>
-              <a:rPr lang="en-US" smtClean="0"/>
+              <a:rPr lang="en-US"/>
               <a:t>Click to edit Master text styles</a:t>
             </a:r>
           </a:p>
           <a:p>
             <a:pPr lvl="1" eaLnBrk="1" latinLnBrk="0" hangingPunct="1"/>
             <a:r>
-              <a:rPr lang="en-US" smtClean="0"/>
+              <a:rPr lang="en-US"/>
               <a:t>Second level</a:t>
             </a:r>
           </a:p>
           <a:p>
             <a:pPr lvl="2" eaLnBrk="1" latinLnBrk="0" hangingPunct="1"/>
             <a:r>
-              <a:rPr lang="en-US" smtClean="0"/>
+              <a:rPr lang="en-US"/>
               <a:t>Third level</a:t>
             </a:r>
           </a:p>
           <a:p>
             <a:pPr lvl="3" eaLnBrk="1" latinLnBrk="0" hangingPunct="1"/>
             <a:r>
-              <a:rPr lang="en-US" smtClean="0"/>
+              <a:rPr lang="en-US"/>
               <a:t>Fourth level</a:t>
             </a:r>
           </a:p>
           <a:p>
             <a:pPr lvl="4" eaLnBrk="1" latinLnBrk="0" hangingPunct="1"/>
             <a:r>
-              <a:rPr lang="en-US" smtClean="0"/>
+              <a:rPr lang="en-US"/>
               <a:t>Fifth level</a:t>
             </a:r>
             <a:endParaRPr kumimoji="0" lang="en-US"/>
@@ -2552,7 +2776,7 @@
           <a:p>
             <a:pPr lvl="0" eaLnBrk="1" latinLnBrk="0" hangingPunct="1"/>
             <a:r>
-              <a:rPr kumimoji="0" lang="en-US" smtClean="0"/>
+              <a:rPr kumimoji="0" lang="en-US"/>
               <a:t>Click to edit Master text styles</a:t>
             </a:r>
           </a:p>
@@ -2648,7 +2872,7 @@
           <a:lstStyle/>
           <a:p>
             <a:r>
-              <a:rPr lang="en-US" smtClean="0"/>
+              <a:rPr lang="en-US"/>
               <a:t>Kapil  Shukla</a:t>
             </a:r>
             <a:endParaRPr lang="en-US" dirty="0"/>
@@ -2671,10 +2895,9 @@
           <a:lstStyle/>
           <a:p>
             <a:r>
-              <a:rPr lang="en-US" smtClean="0"/>
+              <a:rPr lang="en-US"/>
               <a:t>1</a:t>
             </a:r>
-            <a:endParaRPr lang="en-US"/>
           </a:p>
         </p:txBody>
       </p:sp>
@@ -2881,10 +3104,9 @@
           </a:lstStyle>
           <a:p>
             <a:r>
-              <a:rPr kumimoji="0" lang="en-US" smtClean="0"/>
+              <a:rPr kumimoji="0" lang="en-US"/>
               <a:t>Click to edit Master title style</a:t>
             </a:r>
-            <a:endParaRPr kumimoji="0" lang="en-US"/>
           </a:p>
         </p:txBody>
       </p:sp>
@@ -2939,10 +3161,9 @@
           <a:lstStyle/>
           <a:p>
             <a:r>
-              <a:rPr kumimoji="0" lang="en-US" smtClean="0"/>
+              <a:rPr kumimoji="0" lang="en-US"/>
               <a:t>Click to edit Master title style</a:t>
             </a:r>
-            <a:endParaRPr kumimoji="0" lang="en-US"/>
           </a:p>
         </p:txBody>
       </p:sp>
@@ -2967,10 +3188,9 @@
           <a:lstStyle/>
           <a:p>
             <a:r>
-              <a:rPr lang="en-US" smtClean="0"/>
+              <a:rPr lang="en-US"/>
               <a:t>1</a:t>
             </a:r>
-            <a:endParaRPr lang="en-US"/>
           </a:p>
         </p:txBody>
       </p:sp>
@@ -2990,7 +3210,7 @@
           <a:lstStyle/>
           <a:p>
             <a:r>
-              <a:rPr lang="en-US" smtClean="0"/>
+              <a:rPr lang="en-US"/>
               <a:t>Kapil  Shukla</a:t>
             </a:r>
             <a:endParaRPr lang="en-US" dirty="0"/>
@@ -3083,35 +3303,35 @@
           <a:p>
             <a:pPr lvl="0" eaLnBrk="1" latinLnBrk="0" hangingPunct="1"/>
             <a:r>
-              <a:rPr lang="en-US" smtClean="0"/>
+              <a:rPr lang="en-US"/>
               <a:t>Click to edit Master text styles</a:t>
             </a:r>
           </a:p>
           <a:p>
             <a:pPr lvl="1" eaLnBrk="1" latinLnBrk="0" hangingPunct="1"/>
             <a:r>
-              <a:rPr lang="en-US" smtClean="0"/>
+              <a:rPr lang="en-US"/>
               <a:t>Second level</a:t>
             </a:r>
           </a:p>
           <a:p>
             <a:pPr lvl="2" eaLnBrk="1" latinLnBrk="0" hangingPunct="1"/>
             <a:r>
-              <a:rPr lang="en-US" smtClean="0"/>
+              <a:rPr lang="en-US"/>
               <a:t>Third level</a:t>
             </a:r>
           </a:p>
           <a:p>
             <a:pPr lvl="3" eaLnBrk="1" latinLnBrk="0" hangingPunct="1"/>
             <a:r>
-              <a:rPr lang="en-US" smtClean="0"/>
+              <a:rPr lang="en-US"/>
               <a:t>Fourth level</a:t>
             </a:r>
           </a:p>
           <a:p>
             <a:pPr lvl="4" eaLnBrk="1" latinLnBrk="0" hangingPunct="1"/>
             <a:r>
-              <a:rPr lang="en-US" smtClean="0"/>
+              <a:rPr lang="en-US"/>
               <a:t>Fifth level</a:t>
             </a:r>
             <a:endParaRPr kumimoji="0" lang="en-US"/>
@@ -3144,35 +3364,35 @@
           <a:p>
             <a:pPr lvl="0" eaLnBrk="1" latinLnBrk="0" hangingPunct="1"/>
             <a:r>
-              <a:rPr lang="en-US" smtClean="0"/>
+              <a:rPr lang="en-US"/>
               <a:t>Click to edit Master text styles</a:t>
             </a:r>
           </a:p>
           <a:p>
             <a:pPr lvl="1" eaLnBrk="1" latinLnBrk="0" hangingPunct="1"/>
             <a:r>
-              <a:rPr lang="en-US" smtClean="0"/>
+              <a:rPr lang="en-US"/>
               <a:t>Second level</a:t>
             </a:r>
           </a:p>
           <a:p>
             <a:pPr lvl="2" eaLnBrk="1" latinLnBrk="0" hangingPunct="1"/>
             <a:r>
-              <a:rPr lang="en-US" smtClean="0"/>
+              <a:rPr lang="en-US"/>
               <a:t>Third level</a:t>
             </a:r>
           </a:p>
           <a:p>
             <a:pPr lvl="3" eaLnBrk="1" latinLnBrk="0" hangingPunct="1"/>
             <a:r>
-              <a:rPr lang="en-US" smtClean="0"/>
+              <a:rPr lang="en-US"/>
               <a:t>Fourth level</a:t>
             </a:r>
           </a:p>
           <a:p>
             <a:pPr lvl="4" eaLnBrk="1" latinLnBrk="0" hangingPunct="1"/>
             <a:r>
-              <a:rPr lang="en-US" smtClean="0"/>
+              <a:rPr lang="en-US"/>
               <a:t>Fifth level</a:t>
             </a:r>
             <a:endParaRPr kumimoji="0" lang="en-US"/>
@@ -3539,7 +3759,7 @@
           <a:p>
             <a:pPr lvl="0" eaLnBrk="1" latinLnBrk="0" hangingPunct="1"/>
             <a:r>
-              <a:rPr kumimoji="0" lang="en-US" smtClean="0"/>
+              <a:rPr kumimoji="0" lang="en-US"/>
               <a:t>Click to edit Master text styles</a:t>
             </a:r>
           </a:p>
@@ -3609,7 +3829,7 @@
           <a:p>
             <a:pPr lvl="0" eaLnBrk="1" latinLnBrk="0" hangingPunct="1"/>
             <a:r>
-              <a:rPr kumimoji="0" lang="en-US" smtClean="0"/>
+              <a:rPr kumimoji="0" lang="en-US"/>
               <a:t>Click to edit Master text styles</a:t>
             </a:r>
           </a:p>
@@ -3631,10 +3851,9 @@
           <a:lstStyle/>
           <a:p>
             <a:r>
-              <a:rPr lang="en-US" smtClean="0"/>
+              <a:rPr lang="en-US"/>
               <a:t>1</a:t>
             </a:r>
-            <a:endParaRPr lang="en-US"/>
           </a:p>
         </p:txBody>
       </p:sp>
@@ -3659,7 +3878,7 @@
           <a:lstStyle/>
           <a:p>
             <a:r>
-              <a:rPr lang="en-US" smtClean="0"/>
+              <a:rPr lang="en-US"/>
               <a:t>Kapil  Shukla</a:t>
             </a:r>
             <a:endParaRPr lang="en-US" dirty="0"/>
@@ -3764,35 +3983,35 @@
           <a:p>
             <a:pPr lvl="0" eaLnBrk="1" latinLnBrk="0" hangingPunct="1"/>
             <a:r>
-              <a:rPr lang="en-US" smtClean="0"/>
+              <a:rPr lang="en-US"/>
               <a:t>Click to edit Master text styles</a:t>
             </a:r>
           </a:p>
           <a:p>
             <a:pPr lvl="1" eaLnBrk="1" latinLnBrk="0" hangingPunct="1"/>
             <a:r>
-              <a:rPr lang="en-US" smtClean="0"/>
+              <a:rPr lang="en-US"/>
               <a:t>Second level</a:t>
             </a:r>
           </a:p>
           <a:p>
             <a:pPr lvl="2" eaLnBrk="1" latinLnBrk="0" hangingPunct="1"/>
             <a:r>
-              <a:rPr lang="en-US" smtClean="0"/>
+              <a:rPr lang="en-US"/>
               <a:t>Third level</a:t>
             </a:r>
           </a:p>
           <a:p>
             <a:pPr lvl="3" eaLnBrk="1" latinLnBrk="0" hangingPunct="1"/>
             <a:r>
-              <a:rPr lang="en-US" smtClean="0"/>
+              <a:rPr lang="en-US"/>
               <a:t>Fourth level</a:t>
             </a:r>
           </a:p>
           <a:p>
             <a:pPr lvl="4" eaLnBrk="1" latinLnBrk="0" hangingPunct="1"/>
             <a:r>
-              <a:rPr lang="en-US" smtClean="0"/>
+              <a:rPr lang="en-US"/>
               <a:t>Fifth level</a:t>
             </a:r>
             <a:endParaRPr kumimoji="0" lang="en-US"/>
@@ -3821,35 +4040,35 @@
           <a:p>
             <a:pPr lvl="0" eaLnBrk="1" latinLnBrk="0" hangingPunct="1"/>
             <a:r>
-              <a:rPr lang="en-US" smtClean="0"/>
+              <a:rPr lang="en-US"/>
               <a:t>Click to edit Master text styles</a:t>
             </a:r>
           </a:p>
           <a:p>
             <a:pPr lvl="1" eaLnBrk="1" latinLnBrk="0" hangingPunct="1"/>
             <a:r>
-              <a:rPr lang="en-US" smtClean="0"/>
+              <a:rPr lang="en-US"/>
               <a:t>Second level</a:t>
             </a:r>
           </a:p>
           <a:p>
             <a:pPr lvl="2" eaLnBrk="1" latinLnBrk="0" hangingPunct="1"/>
             <a:r>
-              <a:rPr lang="en-US" smtClean="0"/>
+              <a:rPr lang="en-US"/>
               <a:t>Third level</a:t>
             </a:r>
           </a:p>
           <a:p>
             <a:pPr lvl="3" eaLnBrk="1" latinLnBrk="0" hangingPunct="1"/>
             <a:r>
-              <a:rPr lang="en-US" smtClean="0"/>
+              <a:rPr lang="en-US"/>
               <a:t>Fourth level</a:t>
             </a:r>
           </a:p>
           <a:p>
             <a:pPr lvl="4" eaLnBrk="1" latinLnBrk="0" hangingPunct="1"/>
             <a:r>
-              <a:rPr lang="en-US" smtClean="0"/>
+              <a:rPr lang="en-US"/>
               <a:t>Fifth level</a:t>
             </a:r>
             <a:endParaRPr kumimoji="0" lang="en-US"/>
@@ -4001,10 +4220,9 @@
           <a:lstStyle/>
           <a:p>
             <a:r>
-              <a:rPr kumimoji="0" lang="en-US" smtClean="0"/>
+              <a:rPr kumimoji="0" lang="en-US"/>
               <a:t>Click to edit Master title style</a:t>
             </a:r>
-            <a:endParaRPr kumimoji="0" lang="en-US"/>
           </a:p>
         </p:txBody>
       </p:sp>
@@ -4049,10 +4267,9 @@
           <a:lstStyle/>
           <a:p>
             <a:r>
-              <a:rPr kumimoji="0" lang="en-US" smtClean="0"/>
+              <a:rPr kumimoji="0" lang="en-US"/>
               <a:t>Click to edit Master title style</a:t>
             </a:r>
-            <a:endParaRPr kumimoji="0" lang="en-US"/>
           </a:p>
         </p:txBody>
       </p:sp>
@@ -4072,10 +4289,9 @@
           <a:lstStyle/>
           <a:p>
             <a:r>
-              <a:rPr lang="en-US" smtClean="0"/>
+              <a:rPr lang="en-US"/>
               <a:t>1</a:t>
             </a:r>
-            <a:endParaRPr lang="en-US"/>
           </a:p>
         </p:txBody>
       </p:sp>
@@ -4095,7 +4311,7 @@
           <a:lstStyle/>
           <a:p>
             <a:r>
-              <a:rPr lang="en-US" smtClean="0"/>
+              <a:rPr lang="en-US"/>
               <a:t>Kapil  Shukla</a:t>
             </a:r>
             <a:endParaRPr lang="en-US" dirty="0"/>
@@ -4390,10 +4606,9 @@
           <a:lstStyle/>
           <a:p>
             <a:r>
-              <a:rPr lang="en-US" smtClean="0"/>
+              <a:rPr lang="en-US"/>
               <a:t>1</a:t>
             </a:r>
-            <a:endParaRPr lang="en-US"/>
           </a:p>
         </p:txBody>
       </p:sp>
@@ -4413,7 +4628,7 @@
           <a:lstStyle/>
           <a:p>
             <a:r>
-              <a:rPr lang="en-US" smtClean="0"/>
+              <a:rPr lang="en-US"/>
               <a:t>Kapil  Shukla</a:t>
             </a:r>
             <a:endParaRPr lang="en-US" dirty="0"/>
@@ -4745,10 +4960,9 @@
           </a:lstStyle>
           <a:p>
             <a:r>
-              <a:rPr kumimoji="0" lang="en-US" smtClean="0"/>
+              <a:rPr kumimoji="0" lang="en-US"/>
               <a:t>Click to edit Master title style</a:t>
             </a:r>
-            <a:endParaRPr kumimoji="0" lang="en-US"/>
           </a:p>
         </p:txBody>
       </p:sp>
@@ -4802,7 +5016,7 @@
           <a:p>
             <a:pPr lvl="0" eaLnBrk="1" latinLnBrk="0" hangingPunct="1"/>
             <a:r>
-              <a:rPr kumimoji="0" lang="en-US" smtClean="0"/>
+              <a:rPr kumimoji="0" lang="en-US"/>
               <a:t>Click to edit Master text styles</a:t>
             </a:r>
           </a:p>
@@ -4906,35 +5120,35 @@
           <a:p>
             <a:pPr lvl="0" eaLnBrk="1" latinLnBrk="0" hangingPunct="1"/>
             <a:r>
-              <a:rPr lang="en-US" smtClean="0"/>
+              <a:rPr lang="en-US"/>
               <a:t>Click to edit Master text styles</a:t>
             </a:r>
           </a:p>
           <a:p>
             <a:pPr lvl="1" eaLnBrk="1" latinLnBrk="0" hangingPunct="1"/>
             <a:r>
-              <a:rPr lang="en-US" smtClean="0"/>
+              <a:rPr lang="en-US"/>
               <a:t>Second level</a:t>
             </a:r>
           </a:p>
           <a:p>
             <a:pPr lvl="2" eaLnBrk="1" latinLnBrk="0" hangingPunct="1"/>
             <a:r>
-              <a:rPr lang="en-US" smtClean="0"/>
+              <a:rPr lang="en-US"/>
               <a:t>Third level</a:t>
             </a:r>
           </a:p>
           <a:p>
             <a:pPr lvl="3" eaLnBrk="1" latinLnBrk="0" hangingPunct="1"/>
             <a:r>
-              <a:rPr lang="en-US" smtClean="0"/>
+              <a:rPr lang="en-US"/>
               <a:t>Fourth level</a:t>
             </a:r>
           </a:p>
           <a:p>
             <a:pPr lvl="4" eaLnBrk="1" latinLnBrk="0" hangingPunct="1"/>
             <a:r>
-              <a:rPr lang="en-US" smtClean="0"/>
+              <a:rPr lang="en-US"/>
               <a:t>Fifth level</a:t>
             </a:r>
             <a:endParaRPr kumimoji="0" lang="en-US"/>
@@ -5128,10 +5342,9 @@
           <a:lstStyle/>
           <a:p>
             <a:r>
-              <a:rPr lang="en-US" smtClean="0"/>
+              <a:rPr lang="en-US"/>
               <a:t>1</a:t>
             </a:r>
-            <a:endParaRPr lang="en-US"/>
           </a:p>
         </p:txBody>
       </p:sp>
@@ -5156,7 +5369,7 @@
           <a:lstStyle/>
           <a:p>
             <a:r>
-              <a:rPr lang="en-US" smtClean="0"/>
+              <a:rPr lang="en-US"/>
               <a:t>Kapil  Shukla</a:t>
             </a:r>
             <a:endParaRPr lang="en-US" dirty="0"/>
@@ -5647,10 +5860,9 @@
           </a:lstStyle>
           <a:p>
             <a:r>
-              <a:rPr kumimoji="0" lang="en-US" smtClean="0"/>
+              <a:rPr kumimoji="0" lang="en-US"/>
               <a:t>Click to edit Master title style</a:t>
             </a:r>
-            <a:endParaRPr kumimoji="0" lang="en-US"/>
           </a:p>
         </p:txBody>
       </p:sp>
@@ -5680,7 +5892,7 @@
           </a:lstStyle>
           <a:p>
             <a:r>
-              <a:rPr kumimoji="0" lang="en-US" smtClean="0"/>
+              <a:rPr kumimoji="0" lang="en-US"/>
               <a:t>Click icon to add picture</a:t>
             </a:r>
             <a:endParaRPr kumimoji="0" lang="en-US" dirty="0"/>
@@ -5734,7 +5946,7 @@
           <a:p>
             <a:pPr lvl="0" eaLnBrk="1" latinLnBrk="0" hangingPunct="1"/>
             <a:r>
-              <a:rPr kumimoji="0" lang="en-US" smtClean="0"/>
+              <a:rPr kumimoji="0" lang="en-US"/>
               <a:t>Click to edit Master text styles</a:t>
             </a:r>
           </a:p>
@@ -5797,10 +6009,9 @@
           <a:lstStyle/>
           <a:p>
             <a:r>
-              <a:rPr lang="en-US" smtClean="0"/>
+              <a:rPr lang="en-US"/>
               <a:t>1</a:t>
             </a:r>
-            <a:endParaRPr lang="en-US"/>
           </a:p>
         </p:txBody>
       </p:sp>
@@ -5825,7 +6036,7 @@
           <a:lstStyle/>
           <a:p>
             <a:r>
-              <a:rPr lang="en-US" smtClean="0"/>
+              <a:rPr lang="en-US"/>
               <a:t>Kapil  Shukla</a:t>
             </a:r>
             <a:endParaRPr lang="en-US" dirty="0"/>
@@ -6074,7 +6285,7 @@
           </a:lstStyle>
           <a:p>
             <a:r>
-              <a:rPr lang="en-US" smtClean="0"/>
+              <a:rPr lang="en-US"/>
               <a:t>1</a:t>
             </a:r>
             <a:endParaRPr lang="en-US" dirty="0"/>
@@ -6113,7 +6324,7 @@
           </a:lstStyle>
           <a:p>
             <a:r>
-              <a:rPr lang="en-US" smtClean="0"/>
+              <a:rPr lang="en-US"/>
               <a:t>Kapil  Shukla</a:t>
             </a:r>
             <a:endParaRPr lang="en-US" dirty="0"/>
@@ -6362,10 +6573,9 @@
           <a:lstStyle/>
           <a:p>
             <a:r>
-              <a:rPr kumimoji="0" lang="en-US" smtClean="0"/>
+              <a:rPr kumimoji="0" lang="en-US"/>
               <a:t>Click to edit Master title style</a:t>
             </a:r>
-            <a:endParaRPr kumimoji="0" lang="en-US"/>
           </a:p>
         </p:txBody>
       </p:sp>
@@ -6396,38 +6606,37 @@
           <a:p>
             <a:pPr lvl="0" eaLnBrk="1" latinLnBrk="0" hangingPunct="1"/>
             <a:r>
-              <a:rPr kumimoji="0" lang="en-US" smtClean="0"/>
+              <a:rPr kumimoji="0" lang="en-US"/>
               <a:t>Click to edit Master text styles</a:t>
             </a:r>
           </a:p>
           <a:p>
             <a:pPr lvl="1" eaLnBrk="1" latinLnBrk="0" hangingPunct="1"/>
             <a:r>
-              <a:rPr kumimoji="0" lang="en-US" smtClean="0"/>
+              <a:rPr kumimoji="0" lang="en-US"/>
               <a:t>Second level</a:t>
             </a:r>
           </a:p>
           <a:p>
             <a:pPr lvl="2" eaLnBrk="1" latinLnBrk="0" hangingPunct="1"/>
             <a:r>
-              <a:rPr kumimoji="0" lang="en-US" smtClean="0"/>
+              <a:rPr kumimoji="0" lang="en-US"/>
               <a:t>Third level</a:t>
             </a:r>
           </a:p>
           <a:p>
             <a:pPr lvl="3" eaLnBrk="1" latinLnBrk="0" hangingPunct="1"/>
             <a:r>
-              <a:rPr kumimoji="0" lang="en-US" smtClean="0"/>
+              <a:rPr kumimoji="0" lang="en-US"/>
               <a:t>Fourth level</a:t>
             </a:r>
           </a:p>
           <a:p>
             <a:pPr lvl="4" eaLnBrk="1" latinLnBrk="0" hangingPunct="1"/>
             <a:r>
-              <a:rPr kumimoji="0" lang="en-US" smtClean="0"/>
+              <a:rPr kumimoji="0" lang="en-US"/>
               <a:t>Fifth level</a:t>
             </a:r>
-            <a:endParaRPr kumimoji="0" lang="en-US"/>
           </a:p>
         </p:txBody>
       </p:sp>
@@ -6773,7 +6982,7 @@
               <a:buNone/>
             </a:pPr>
             <a:r>
-              <a:rPr lang="en-AU" dirty="0" smtClean="0"/>
+              <a:rPr lang="en-AU" dirty="0"/>
               <a:t>1. Getting started</a:t>
             </a:r>
           </a:p>
@@ -6819,10 +7028,9 @@
           <a:lstStyle/>
           <a:p>
             <a:r>
-              <a:rPr lang="en-AU" dirty="0" smtClean="0"/>
+              <a:rPr lang="en-AU" dirty="0"/>
               <a:t>Python Fundamentals</a:t>
             </a:r>
-            <a:endParaRPr lang="en-AU" dirty="0"/>
           </a:p>
         </p:txBody>
       </p:sp>
@@ -6869,13 +7077,6 @@
   <p:transition spd="slow">
     <p:wheel spokes="1"/>
   </p:transition>
-  <p:timing>
-    <p:tnLst>
-      <p:par>
-        <p:cTn id="1" dur="indefinite" restart="never" nodeType="tmRoot"/>
-      </p:par>
-    </p:tnLst>
-  </p:timing>
 </p:sld>
 </file>
 
@@ -6912,106 +7113,104 @@
           <a:lstStyle/>
           <a:p>
             <a:r>
-              <a:rPr lang="en-AU" dirty="0" smtClean="0"/>
+              <a:rPr lang="en-AU" dirty="0"/>
               <a:t>Getting Started - Objectives</a:t>
             </a:r>
+          </a:p>
+        </p:txBody>
+      </p:sp>
+      <p:sp>
+        <p:nvSpPr>
+          <p:cNvPr id="5" name="Slide Number Placeholder 4"/>
+          <p:cNvSpPr>
+            <a:spLocks noGrp="1"/>
+          </p:cNvSpPr>
+          <p:nvPr>
+            <p:ph type="sldNum" sz="quarter" idx="12"/>
+          </p:nvPr>
+        </p:nvSpPr>
+        <p:spPr/>
+        <p:txBody>
+          <a:bodyPr/>
+          <a:lstStyle/>
+          <a:p>
+            <a:r>
+              <a:rPr lang="en-US" dirty="0"/>
+              <a:t>1.1</a:t>
+            </a:r>
+          </a:p>
+        </p:txBody>
+      </p:sp>
+      <p:sp>
+        <p:nvSpPr>
+          <p:cNvPr id="10" name="Text Placeholder 9"/>
+          <p:cNvSpPr>
+            <a:spLocks noGrp="1"/>
+          </p:cNvSpPr>
+          <p:nvPr>
+            <p:ph sz="quarter" idx="1"/>
+          </p:nvPr>
+        </p:nvSpPr>
+        <p:spPr/>
+        <p:txBody>
+          <a:bodyPr/>
+          <a:lstStyle/>
+          <a:p>
+            <a:r>
+              <a:rPr lang="en-AU" dirty="0"/>
+              <a:t>What is Python</a:t>
+            </a:r>
+          </a:p>
+          <a:p>
+            <a:r>
+              <a:rPr lang="en-AU" dirty="0"/>
+              <a:t>Why learn and use Python</a:t>
+            </a:r>
+          </a:p>
+          <a:p>
+            <a:r>
+              <a:rPr lang="en-AU" dirty="0"/>
+              <a:t>How is Python managed</a:t>
+            </a:r>
+          </a:p>
+          <a:p>
+            <a:r>
+              <a:rPr lang="en-AU" dirty="0"/>
+              <a:t>How to Install Python</a:t>
+            </a:r>
+          </a:p>
+          <a:p>
+            <a:r>
+              <a:rPr lang="en-AU" dirty="0"/>
+              <a:t>How to run Python programs</a:t>
+            </a:r>
+          </a:p>
+          <a:p>
+            <a:r>
+              <a:rPr lang="en-AU" dirty="0"/>
+              <a:t>Interactive Prompt / IDLE</a:t>
+            </a:r>
+          </a:p>
+          <a:p>
+            <a:r>
+              <a:rPr lang="en-AU" dirty="0"/>
+              <a:t>How does Python run your program</a:t>
+            </a:r>
+          </a:p>
+          <a:p>
+            <a:r>
+              <a:rPr lang="en-AU" dirty="0"/>
+              <a:t>How to Install </a:t>
+            </a:r>
+            <a:r>
+              <a:rPr lang="en-AU" dirty="0" err="1"/>
+              <a:t>PyCharm</a:t>
+            </a:r>
             <a:endParaRPr lang="en-AU" dirty="0"/>
           </a:p>
-        </p:txBody>
-      </p:sp>
-      <p:sp>
-        <p:nvSpPr>
-          <p:cNvPr id="5" name="Slide Number Placeholder 4"/>
-          <p:cNvSpPr>
-            <a:spLocks noGrp="1"/>
-          </p:cNvSpPr>
-          <p:nvPr>
-            <p:ph type="sldNum" sz="quarter" idx="12"/>
-          </p:nvPr>
-        </p:nvSpPr>
-        <p:spPr/>
-        <p:txBody>
-          <a:bodyPr/>
-          <a:lstStyle/>
-          <a:p>
-            <a:r>
-              <a:rPr lang="en-US" dirty="0" smtClean="0"/>
-              <a:t>1.1</a:t>
-            </a:r>
-            <a:endParaRPr lang="en-US" dirty="0"/>
-          </a:p>
-        </p:txBody>
-      </p:sp>
-      <p:sp>
-        <p:nvSpPr>
-          <p:cNvPr id="10" name="Text Placeholder 9"/>
-          <p:cNvSpPr>
-            <a:spLocks noGrp="1"/>
-          </p:cNvSpPr>
-          <p:nvPr>
-            <p:ph sz="quarter" idx="1"/>
-          </p:nvPr>
-        </p:nvSpPr>
-        <p:spPr/>
-        <p:txBody>
-          <a:bodyPr/>
-          <a:lstStyle/>
-          <a:p>
-            <a:r>
-              <a:rPr lang="en-AU" dirty="0" smtClean="0"/>
-              <a:t>What is Python</a:t>
-            </a:r>
-          </a:p>
-          <a:p>
-            <a:r>
-              <a:rPr lang="en-AU" dirty="0" smtClean="0"/>
-              <a:t>Why learn and use Python</a:t>
-            </a:r>
-          </a:p>
-          <a:p>
-            <a:r>
-              <a:rPr lang="en-AU" dirty="0" smtClean="0"/>
-              <a:t>How is Python managed</a:t>
-            </a:r>
-          </a:p>
-          <a:p>
-            <a:r>
-              <a:rPr lang="en-AU" dirty="0" smtClean="0"/>
-              <a:t>How to Install Python</a:t>
-            </a:r>
-          </a:p>
-          <a:p>
-            <a:r>
-              <a:rPr lang="en-AU" dirty="0" smtClean="0"/>
-              <a:t>How to run Python programs</a:t>
-            </a:r>
-          </a:p>
-          <a:p>
-            <a:r>
-              <a:rPr lang="en-AU" dirty="0" smtClean="0"/>
-              <a:t>Interactive Prompt / IDLE</a:t>
-            </a:r>
-          </a:p>
-          <a:p>
-            <a:r>
-              <a:rPr lang="en-AU" dirty="0" smtClean="0"/>
-              <a:t>How does Python run your program</a:t>
-            </a:r>
-          </a:p>
-          <a:p>
-            <a:r>
-              <a:rPr lang="en-AU" dirty="0" smtClean="0"/>
-              <a:t>How to Install </a:t>
-            </a:r>
-            <a:r>
-              <a:rPr lang="en-AU" dirty="0" err="1" smtClean="0"/>
-              <a:t>PyCharm</a:t>
-            </a:r>
-            <a:endParaRPr lang="en-AU" dirty="0" smtClean="0"/>
-          </a:p>
-          <a:p>
-            <a:r>
-              <a:rPr lang="en-AU" dirty="0" smtClean="0"/>
+          <a:p>
+            <a:r>
+              <a:rPr lang="en-AU" dirty="0"/>
               <a:t>Other Resources</a:t>
             </a:r>
           </a:p>
@@ -7063,13 +7262,6 @@
   <p:transition spd="slow">
     <p:wheel spokes="1"/>
   </p:transition>
-  <p:timing>
-    <p:tnLst>
-      <p:par>
-        <p:cTn id="1" dur="indefinite" restart="never" nodeType="tmRoot"/>
-      </p:par>
-    </p:tnLst>
-  </p:timing>
 </p:sld>
 </file>
 
@@ -7106,10 +7298,9 @@
           <a:lstStyle/>
           <a:p>
             <a:r>
-              <a:rPr lang="en-AU" dirty="0" smtClean="0"/>
+              <a:rPr lang="en-AU" dirty="0"/>
               <a:t>What is Python</a:t>
             </a:r>
-            <a:endParaRPr lang="en-AU" dirty="0"/>
           </a:p>
         </p:txBody>
       </p:sp>
@@ -7129,10 +7320,9 @@
           <a:lstStyle/>
           <a:p>
             <a:r>
-              <a:rPr lang="en-US" dirty="0" smtClean="0"/>
+              <a:rPr lang="en-US" dirty="0"/>
               <a:t>1.2</a:t>
             </a:r>
-            <a:endParaRPr lang="en-US" dirty="0"/>
           </a:p>
         </p:txBody>
       </p:sp>
@@ -7154,51 +7344,47 @@
           <a:lstStyle/>
           <a:p>
             <a:r>
-              <a:rPr lang="en-AU" sz="1800" dirty="0" smtClean="0"/>
+              <a:rPr lang="en-AU" sz="1800" dirty="0"/>
               <a:t>Python was created by Guido Van Rossum year 1991</a:t>
             </a:r>
           </a:p>
           <a:p>
-            <a:endParaRPr lang="en-AU" sz="1800" dirty="0" smtClean="0"/>
-          </a:p>
-          <a:p>
-            <a:r>
-              <a:rPr lang="en-AU" sz="1800" dirty="0" smtClean="0"/>
+            <a:endParaRPr lang="en-AU" sz="1800" dirty="0"/>
+          </a:p>
+          <a:p>
+            <a:r>
+              <a:rPr lang="en-AU" sz="1800" dirty="0"/>
               <a:t>Python is an interpreted high level programming language for general purpose programming</a:t>
             </a:r>
           </a:p>
           <a:p>
-            <a:endParaRPr lang="en-AU" sz="1800" dirty="0" smtClean="0"/>
+            <a:endParaRPr lang="en-AU" sz="1800" dirty="0"/>
           </a:p>
           <a:p>
             <a:r>
               <a:rPr lang="en-AU" sz="1800" dirty="0"/>
-              <a:t>Programming language is formal language which allows programmer to write specific instructions to be executed on </a:t>
-            </a:r>
-            <a:r>
-              <a:rPr lang="en-AU" sz="1800" dirty="0" smtClean="0"/>
-              <a:t>computer.</a:t>
-            </a:r>
-          </a:p>
-          <a:p>
-            <a:endParaRPr lang="en-AU" sz="1800" dirty="0" smtClean="0"/>
-          </a:p>
-          <a:p>
-            <a:r>
-              <a:rPr lang="en-AU" sz="1800" dirty="0" smtClean="0"/>
+              <a:t>Programming language is formal language which allows programmer to write specific instructions to be executed on computer.</a:t>
+            </a:r>
+          </a:p>
+          <a:p>
+            <a:endParaRPr lang="en-AU" sz="1800" dirty="0"/>
+          </a:p>
+          <a:p>
+            <a:r>
+              <a:rPr lang="en-AU" sz="1800" dirty="0"/>
               <a:t>Term ‘Python’ is also used for a software program called </a:t>
             </a:r>
             <a:r>
-              <a:rPr lang="en-AU" sz="1800" i="1" u="sng" dirty="0" smtClean="0"/>
+              <a:rPr lang="en-AU" sz="1800" i="1" u="sng" dirty="0"/>
               <a:t>interpreter</a:t>
             </a:r>
           </a:p>
           <a:p>
-            <a:endParaRPr lang="en-AU" sz="1800" i="1" dirty="0" smtClean="0"/>
-          </a:p>
-          <a:p>
-            <a:r>
-              <a:rPr lang="en-AU" sz="1800" dirty="0" smtClean="0"/>
+            <a:endParaRPr lang="en-AU" sz="1800" i="1" dirty="0"/>
+          </a:p>
+          <a:p>
+            <a:r>
+              <a:rPr lang="en-AU" sz="1800" dirty="0"/>
               <a:t>Python interpreter is the program which reads, evaluates and executes instructions written using python programming language</a:t>
             </a:r>
           </a:p>
@@ -7206,7 +7392,7 @@
             <a:pPr marL="0" indent="0">
               <a:buNone/>
             </a:pPr>
-            <a:endParaRPr lang="en-AU" sz="1800" dirty="0" smtClean="0"/>
+            <a:endParaRPr lang="en-AU" sz="1800" dirty="0"/>
           </a:p>
         </p:txBody>
       </p:sp>
@@ -7253,13 +7439,6 @@
   <p:transition spd="slow">
     <p:wheel spokes="1"/>
   </p:transition>
-  <p:timing>
-    <p:tnLst>
-      <p:par>
-        <p:cTn id="1" dur="indefinite" restart="never" nodeType="tmRoot"/>
-      </p:par>
-    </p:tnLst>
-  </p:timing>
 </p:sld>
 </file>
 
@@ -7296,10 +7475,9 @@
           <a:lstStyle/>
           <a:p>
             <a:r>
-              <a:rPr lang="en-AU" dirty="0" smtClean="0"/>
-              <a:t>What learn and use Python</a:t>
-            </a:r>
-            <a:endParaRPr lang="en-AU" dirty="0"/>
+              <a:rPr lang="en-AU" dirty="0"/>
+              <a:t>Why learn and use Python</a:t>
+            </a:r>
           </a:p>
         </p:txBody>
       </p:sp>
@@ -7319,10 +7497,9 @@
           <a:lstStyle/>
           <a:p>
             <a:r>
-              <a:rPr lang="en-US" dirty="0" smtClean="0"/>
+              <a:rPr lang="en-US" dirty="0"/>
               <a:t>1.3</a:t>
             </a:r>
-            <a:endParaRPr lang="en-US" dirty="0"/>
           </a:p>
         </p:txBody>
       </p:sp>
@@ -7333,7 +7510,7 @@
             <a:spLocks noGrp="1"/>
           </p:cNvSpPr>
           <p:nvPr>
-            <p:ph sz="half" idx="1"/>
+            <p:ph sz="quarter" idx="1"/>
           </p:nvPr>
         </p:nvSpPr>
         <p:spPr/>
@@ -7344,83 +7521,100 @@
           <a:lstStyle/>
           <a:p>
             <a:r>
-              <a:rPr lang="en-AU" sz="1800" dirty="0" smtClean="0"/>
+              <a:rPr lang="en-AU" sz="1800" dirty="0"/>
               <a:t>Easy to learn, yet extremely powerful</a:t>
             </a:r>
           </a:p>
           <a:p>
             <a:pPr lvl="1"/>
             <a:r>
-              <a:rPr lang="en-AU" sz="1500" dirty="0" smtClean="0"/>
+              <a:rPr lang="en-AU" sz="1500" dirty="0"/>
               <a:t>Simple syntax</a:t>
             </a:r>
           </a:p>
           <a:p>
             <a:pPr lvl="1"/>
             <a:r>
-              <a:rPr lang="en-AU" sz="1500" dirty="0" smtClean="0"/>
+              <a:rPr lang="en-AU" sz="1500" dirty="0"/>
               <a:t>Advanced data structure</a:t>
             </a:r>
           </a:p>
           <a:p>
             <a:r>
-              <a:rPr lang="en-AU" sz="1800" dirty="0" smtClean="0"/>
+              <a:rPr lang="en-AU" sz="1800" dirty="0"/>
               <a:t>Software Quality</a:t>
             </a:r>
           </a:p>
           <a:p>
             <a:pPr lvl="1"/>
             <a:r>
-              <a:rPr lang="en-AU" sz="1500" dirty="0" smtClean="0"/>
+              <a:rPr lang="en-AU" sz="1500" dirty="0"/>
               <a:t>Easy to read/maintain code</a:t>
             </a:r>
           </a:p>
           <a:p>
             <a:pPr lvl="1"/>
             <a:r>
-              <a:rPr lang="en-AU" sz="1500" dirty="0" smtClean="0"/>
-              <a:t>Forces code indentations as </a:t>
-            </a:r>
-            <a:r>
-              <a:rPr lang="en-AU" sz="1500" smtClean="0"/>
-              <a:t>per design</a:t>
-            </a:r>
-            <a:endParaRPr lang="en-AU" sz="1500" dirty="0" smtClean="0"/>
-          </a:p>
-          <a:p>
-            <a:r>
-              <a:rPr lang="en-AU" sz="1800" dirty="0" smtClean="0"/>
+              <a:rPr lang="en-AU" sz="1500" dirty="0"/>
+              <a:t>Forces code indentations as per design</a:t>
+            </a:r>
+          </a:p>
+          <a:p>
+            <a:r>
+              <a:rPr lang="en-AU" sz="1800" dirty="0"/>
               <a:t>Developer productivity</a:t>
             </a:r>
           </a:p>
           <a:p>
-            <a:r>
-              <a:rPr lang="en-AU" sz="1800" dirty="0" smtClean="0"/>
-              <a:t>Strong Community support</a:t>
-            </a:r>
-          </a:p>
-          <a:p>
             <a:pPr lvl="1"/>
-            <a:endParaRPr lang="en-AU" sz="1300" dirty="0" smtClean="0"/>
-          </a:p>
-        </p:txBody>
-      </p:sp>
-      <p:sp>
-        <p:nvSpPr>
-          <p:cNvPr id="11" name="Content Placeholder 10"/>
-          <p:cNvSpPr>
-            <a:spLocks noGrp="1"/>
-          </p:cNvSpPr>
-          <p:nvPr>
-            <p:ph sz="half" idx="2"/>
-          </p:nvPr>
-        </p:nvSpPr>
-        <p:spPr/>
-        <p:txBody>
-          <a:bodyPr/>
-          <a:lstStyle/>
-          <a:p>
-            <a:endParaRPr lang="en-AU"/>
+            <a:r>
+              <a:rPr lang="en-AU" sz="1500" dirty="0"/>
+              <a:t>No compile time</a:t>
+            </a:r>
+          </a:p>
+          <a:p>
+            <a:pPr lvl="1"/>
+            <a:r>
+              <a:rPr lang="en-AU" sz="1500" dirty="0"/>
+              <a:t>Lesser code in comparison to Java/C++</a:t>
+            </a:r>
+          </a:p>
+          <a:p>
+            <a:r>
+              <a:rPr lang="en-AU" sz="1800" dirty="0"/>
+              <a:t>Strong support</a:t>
+            </a:r>
+          </a:p>
+          <a:p>
+            <a:pPr lvl="1"/>
+            <a:r>
+              <a:rPr lang="en-AU" sz="1500" dirty="0"/>
+              <a:t>Large collection of standard libraries</a:t>
+            </a:r>
+          </a:p>
+          <a:p>
+            <a:pPr lvl="1"/>
+            <a:r>
+              <a:rPr lang="en-AU" sz="1500" dirty="0"/>
+              <a:t>Strong community support</a:t>
+            </a:r>
+          </a:p>
+          <a:p>
+            <a:r>
+              <a:rPr lang="en-AU" sz="1800" dirty="0"/>
+              <a:t>General purpose</a:t>
+            </a:r>
+          </a:p>
+          <a:p>
+            <a:pPr lvl="1"/>
+            <a:r>
+              <a:rPr lang="en-AU" sz="1500" dirty="0"/>
+              <a:t>Used for multipurpose e.g. automation/monitoring etc.</a:t>
+            </a:r>
+          </a:p>
+          <a:p>
+            <a:pPr lvl="1"/>
+            <a:endParaRPr lang="en-AU" sz="1300" dirty="0"/>
           </a:p>
         </p:txBody>
       </p:sp>
@@ -7467,13 +7661,262 @@
   <p:transition spd="slow">
     <p:wheel spokes="1"/>
   </p:transition>
-  <p:timing>
-    <p:tnLst>
-      <p:par>
-        <p:cTn id="1" dur="indefinite" restart="never" nodeType="tmRoot"/>
-      </p:par>
-    </p:tnLst>
-  </p:timing>
+</p:sld>
+</file>
+
+<file path=ppt/slides/slide5.xml><?xml version="1.0" encoding="utf-8"?>
+<p:sld xmlns:a="http://schemas.openxmlformats.org/drawingml/2006/main" xmlns:r="http://schemas.openxmlformats.org/officeDocument/2006/relationships" xmlns:p="http://schemas.openxmlformats.org/presentationml/2006/main">
+  <p:cSld>
+    <p:spTree>
+      <p:nvGrpSpPr>
+        <p:cNvPr id="1" name=""/>
+        <p:cNvGrpSpPr/>
+        <p:nvPr/>
+      </p:nvGrpSpPr>
+      <p:grpSpPr>
+        <a:xfrm>
+          <a:off x="0" y="0"/>
+          <a:ext cx="0" cy="0"/>
+          <a:chOff x="0" y="0"/>
+          <a:chExt cx="0" cy="0"/>
+        </a:xfrm>
+      </p:grpSpPr>
+      <p:sp>
+        <p:nvSpPr>
+          <p:cNvPr id="2" name="Title 1"/>
+          <p:cNvSpPr>
+            <a:spLocks noGrp="1"/>
+          </p:cNvSpPr>
+          <p:nvPr>
+            <p:ph type="title"/>
+          </p:nvPr>
+        </p:nvSpPr>
+        <p:spPr/>
+        <p:txBody>
+          <a:bodyPr/>
+          <a:lstStyle/>
+          <a:p>
+            <a:r>
+              <a:rPr lang="en-AU" dirty="0"/>
+              <a:t>How is Python managed</a:t>
+            </a:r>
+          </a:p>
+        </p:txBody>
+      </p:sp>
+      <p:sp>
+        <p:nvSpPr>
+          <p:cNvPr id="5" name="Slide Number Placeholder 4"/>
+          <p:cNvSpPr>
+            <a:spLocks noGrp="1"/>
+          </p:cNvSpPr>
+          <p:nvPr>
+            <p:ph type="sldNum" sz="quarter" idx="12"/>
+          </p:nvPr>
+        </p:nvSpPr>
+        <p:spPr/>
+        <p:txBody>
+          <a:bodyPr/>
+          <a:lstStyle/>
+          <a:p>
+            <a:r>
+              <a:rPr lang="en-US" dirty="0"/>
+              <a:t>1.4</a:t>
+            </a:r>
+          </a:p>
+        </p:txBody>
+      </p:sp>
+      <p:sp>
+        <p:nvSpPr>
+          <p:cNvPr id="10" name="Text Placeholder 9"/>
+          <p:cNvSpPr>
+            <a:spLocks noGrp="1"/>
+          </p:cNvSpPr>
+          <p:nvPr>
+            <p:ph sz="quarter" idx="1"/>
+          </p:nvPr>
+        </p:nvSpPr>
+        <p:spPr/>
+        <p:txBody>
+          <a:bodyPr>
+            <a:normAutofit/>
+          </a:bodyPr>
+          <a:lstStyle/>
+          <a:p>
+            <a:endParaRPr lang="en-AU" sz="1800" dirty="0"/>
+          </a:p>
+        </p:txBody>
+      </p:sp>
+      <p:pic>
+        <p:nvPicPr>
+          <p:cNvPr id="9" name="Picture 8"/>
+          <p:cNvPicPr>
+            <a:picLocks noChangeAspect="1"/>
+          </p:cNvPicPr>
+          <p:nvPr/>
+        </p:nvPicPr>
+        <p:blipFill>
+          <a:blip r:embed="rId3" cstate="print">
+            <a:extLst>
+              <a:ext uri="{28A0092B-C50C-407E-A947-70E740481C1C}">
+                <a14:useLocalDpi xmlns:a14="http://schemas.microsoft.com/office/drawing/2010/main" val="0"/>
+              </a:ext>
+            </a:extLst>
+          </a:blip>
+          <a:stretch>
+            <a:fillRect/>
+          </a:stretch>
+        </p:blipFill>
+        <p:spPr>
+          <a:xfrm>
+            <a:off x="279326" y="6381328"/>
+            <a:ext cx="332234" cy="332234"/>
+          </a:xfrm>
+          <a:prstGeom prst="rect">
+            <a:avLst/>
+          </a:prstGeom>
+        </p:spPr>
+      </p:pic>
+    </p:spTree>
+    <p:extLst>
+      <p:ext uri="{BB962C8B-B14F-4D97-AF65-F5344CB8AC3E}">
+        <p14:creationId xmlns:p14="http://schemas.microsoft.com/office/powerpoint/2010/main" val="2912513129"/>
+      </p:ext>
+    </p:extLst>
+  </p:cSld>
+  <p:clrMapOvr>
+    <a:masterClrMapping/>
+  </p:clrMapOvr>
+  <p:transition spd="slow">
+    <p:wheel spokes="1"/>
+  </p:transition>
+</p:sld>
+</file>
+
+<file path=ppt/slides/slide6.xml><?xml version="1.0" encoding="utf-8"?>
+<p:sld xmlns:a="http://schemas.openxmlformats.org/drawingml/2006/main" xmlns:r="http://schemas.openxmlformats.org/officeDocument/2006/relationships" xmlns:p="http://schemas.openxmlformats.org/presentationml/2006/main">
+  <p:cSld>
+    <p:spTree>
+      <p:nvGrpSpPr>
+        <p:cNvPr id="1" name=""/>
+        <p:cNvGrpSpPr/>
+        <p:nvPr/>
+      </p:nvGrpSpPr>
+      <p:grpSpPr>
+        <a:xfrm>
+          <a:off x="0" y="0"/>
+          <a:ext cx="0" cy="0"/>
+          <a:chOff x="0" y="0"/>
+          <a:chExt cx="0" cy="0"/>
+        </a:xfrm>
+      </p:grpSpPr>
+      <p:sp>
+        <p:nvSpPr>
+          <p:cNvPr id="2" name="Title 1"/>
+          <p:cNvSpPr>
+            <a:spLocks noGrp="1"/>
+          </p:cNvSpPr>
+          <p:nvPr>
+            <p:ph type="title"/>
+          </p:nvPr>
+        </p:nvSpPr>
+        <p:spPr/>
+        <p:txBody>
+          <a:bodyPr/>
+          <a:lstStyle/>
+          <a:p>
+            <a:r>
+              <a:rPr lang="en-AU" dirty="0"/>
+              <a:t>How to install Python</a:t>
+            </a:r>
+          </a:p>
+        </p:txBody>
+      </p:sp>
+      <p:sp>
+        <p:nvSpPr>
+          <p:cNvPr id="5" name="Slide Number Placeholder 4"/>
+          <p:cNvSpPr>
+            <a:spLocks noGrp="1"/>
+          </p:cNvSpPr>
+          <p:nvPr>
+            <p:ph type="sldNum" sz="quarter" idx="12"/>
+          </p:nvPr>
+        </p:nvSpPr>
+        <p:spPr/>
+        <p:txBody>
+          <a:bodyPr/>
+          <a:lstStyle/>
+          <a:p>
+            <a:r>
+              <a:rPr lang="en-US" dirty="0"/>
+              <a:t>1.5</a:t>
+            </a:r>
+          </a:p>
+        </p:txBody>
+      </p:sp>
+      <p:sp>
+        <p:nvSpPr>
+          <p:cNvPr id="10" name="Text Placeholder 9"/>
+          <p:cNvSpPr>
+            <a:spLocks noGrp="1"/>
+          </p:cNvSpPr>
+          <p:nvPr>
+            <p:ph sz="quarter" idx="1"/>
+          </p:nvPr>
+        </p:nvSpPr>
+        <p:spPr/>
+        <p:txBody>
+          <a:bodyPr>
+            <a:normAutofit/>
+          </a:bodyPr>
+          <a:lstStyle/>
+          <a:p>
+            <a:endParaRPr lang="en-AU" sz="1800" dirty="0"/>
+          </a:p>
+        </p:txBody>
+      </p:sp>
+      <p:pic>
+        <p:nvPicPr>
+          <p:cNvPr id="9" name="Picture 8"/>
+          <p:cNvPicPr>
+            <a:picLocks noChangeAspect="1"/>
+          </p:cNvPicPr>
+          <p:nvPr/>
+        </p:nvPicPr>
+        <p:blipFill>
+          <a:blip r:embed="rId3" cstate="print">
+            <a:extLst>
+              <a:ext uri="{28A0092B-C50C-407E-A947-70E740481C1C}">
+                <a14:useLocalDpi xmlns:a14="http://schemas.microsoft.com/office/drawing/2010/main" val="0"/>
+              </a:ext>
+            </a:extLst>
+          </a:blip>
+          <a:stretch>
+            <a:fillRect/>
+          </a:stretch>
+        </p:blipFill>
+        <p:spPr>
+          <a:xfrm>
+            <a:off x="279326" y="6381328"/>
+            <a:ext cx="332234" cy="332234"/>
+          </a:xfrm>
+          <a:prstGeom prst="rect">
+            <a:avLst/>
+          </a:prstGeom>
+        </p:spPr>
+      </p:pic>
+    </p:spTree>
+    <p:extLst>
+      <p:ext uri="{BB962C8B-B14F-4D97-AF65-F5344CB8AC3E}">
+        <p14:creationId xmlns:p14="http://schemas.microsoft.com/office/powerpoint/2010/main" val="3306302310"/>
+      </p:ext>
+    </p:extLst>
+  </p:cSld>
+  <p:clrMapOvr>
+    <a:masterClrMapping/>
+  </p:clrMapOvr>
+  <p:transition spd="slow">
+    <p:wheel spokes="1"/>
+  </p:transition>
 </p:sld>
 </file>
 

--- a/Python Fundamentals.pptx
+++ b/Python Fundamentals.pptx
@@ -213,7 +213,7 @@
           <a:p>
             <a:fld id="{AA801ADD-10F7-4A07-9867-B75E78E04F53}" type="datetimeFigureOut">
               <a:rPr lang="en-AU" smtClean="0"/>
-              <a:t>13/02/2018</a:t>
+              <a:t>15/02/2018</a:t>
             </a:fld>
             <a:endParaRPr lang="en-AU"/>
           </a:p>
@@ -7742,7 +7742,41 @@
           </a:bodyPr>
           <a:lstStyle/>
           <a:p>
+            <a:r>
+              <a:rPr lang="en-AU" sz="1800" dirty="0"/>
+              <a:t>Python Software Foundation (PSF) manages and oversees the development and roadmap for Python development</a:t>
+            </a:r>
+          </a:p>
+          <a:p>
             <a:endParaRPr lang="en-AU" sz="1800" dirty="0"/>
+          </a:p>
+          <a:p>
+            <a:r>
+              <a:rPr lang="en-AU" sz="1800" dirty="0"/>
+              <a:t>PSF is a non-profit organization which also organizes conferences and deals with intellectual property issues.</a:t>
+            </a:r>
+          </a:p>
+          <a:p>
+            <a:endParaRPr lang="en-AU" sz="1800" dirty="0"/>
+          </a:p>
+          <a:p>
+            <a:r>
+              <a:rPr lang="en-AU" sz="1800" dirty="0"/>
+              <a:t>These conferences are called </a:t>
+            </a:r>
+            <a:r>
+              <a:rPr lang="en-AU" sz="1800" i="1" dirty="0" err="1"/>
+              <a:t>PyCon</a:t>
+            </a:r>
+            <a:r>
+              <a:rPr lang="en-AU" sz="1800" i="1" dirty="0"/>
+              <a:t>, </a:t>
+            </a:r>
+            <a:r>
+              <a:rPr lang="en-AU" sz="1800" dirty="0"/>
+              <a:t>and are organized in all major cities in the world</a:t>
+            </a:r>
+            <a:endParaRPr lang="en-AU" sz="1800" i="1" dirty="0"/>
           </a:p>
         </p:txBody>
       </p:sp>
@@ -7860,15 +7894,44 @@
             <a:spLocks noGrp="1"/>
           </p:cNvSpPr>
           <p:nvPr>
-            <p:ph sz="quarter" idx="1"/>
-          </p:nvPr>
-        </p:nvSpPr>
-        <p:spPr/>
+            <p:ph sz="half" idx="1"/>
+          </p:nvPr>
+        </p:nvSpPr>
+        <p:spPr>
+          <a:xfrm>
+            <a:off x="301752" y="1371600"/>
+            <a:ext cx="4038600" cy="4681728"/>
+          </a:xfrm>
+        </p:spPr>
         <p:txBody>
           <a:bodyPr>
             <a:normAutofit/>
           </a:bodyPr>
           <a:lstStyle/>
+          <a:p>
+            <a:r>
+              <a:rPr lang="en-AU" sz="1800" dirty="0"/>
+              <a:t>Python can be downloaded and installed from standard installers which are available on Python official website. </a:t>
+            </a:r>
+          </a:p>
+          <a:p>
+            <a:r>
+              <a:rPr lang="en-AU" sz="1800" dirty="0">
+                <a:hlinkClick r:id="rId3"/>
+              </a:rPr>
+              <a:t>https://www.python.org/downloads/</a:t>
+            </a:r>
+            <a:endParaRPr lang="en-AU" sz="1800" dirty="0"/>
+          </a:p>
+          <a:p>
+            <a:r>
+              <a:rPr lang="en-AU" sz="1800" dirty="0"/>
+              <a:t>You can get choose from various installers depending on the operating system and version you want to install. </a:t>
+            </a:r>
+          </a:p>
+          <a:p>
+            <a:endParaRPr lang="en-AU" sz="1800" dirty="0"/>
+          </a:p>
           <a:p>
             <a:endParaRPr lang="en-AU" sz="1800" dirty="0"/>
           </a:p>
@@ -7883,7 +7946,7 @@
           <p:nvPr/>
         </p:nvPicPr>
         <p:blipFill>
-          <a:blip r:embed="rId3" cstate="print">
+          <a:blip r:embed="rId4" cstate="print">
             <a:extLst>
               <a:ext uri="{28A0092B-C50C-407E-A947-70E740481C1C}">
                 <a14:useLocalDpi xmlns:a14="http://schemas.microsoft.com/office/drawing/2010/main" val="0"/>
@@ -7898,6 +7961,119 @@
           <a:xfrm>
             <a:off x="279326" y="6381328"/>
             <a:ext cx="332234" cy="332234"/>
+          </a:xfrm>
+          <a:prstGeom prst="rect">
+            <a:avLst/>
+          </a:prstGeom>
+        </p:spPr>
+      </p:pic>
+      <p:sp>
+        <p:nvSpPr>
+          <p:cNvPr id="8" name="Content Placeholder 7">
+            <a:extLst>
+              <a:ext uri="{FF2B5EF4-FFF2-40B4-BE49-F238E27FC236}">
+                <a16:creationId xmlns:a16="http://schemas.microsoft.com/office/drawing/2014/main" id="{78C91A0C-EF93-4255-AEAF-886EC12017DF}"/>
+              </a:ext>
+            </a:extLst>
+          </p:cNvPr>
+          <p:cNvSpPr>
+            <a:spLocks noGrp="1"/>
+          </p:cNvSpPr>
+          <p:nvPr>
+            <p:ph sz="half" idx="2"/>
+          </p:nvPr>
+        </p:nvSpPr>
+        <p:spPr/>
+        <p:txBody>
+          <a:bodyPr>
+            <a:normAutofit/>
+          </a:bodyPr>
+          <a:lstStyle/>
+          <a:p>
+            <a:r>
+              <a:rPr lang="en-AU" sz="1800" dirty="0"/>
+              <a:t>Once the installer has finished the setup you can verify if the python is installed by typing the below command on the command prompt or terminal of your operating system</a:t>
+            </a:r>
+          </a:p>
+          <a:p>
+            <a:pPr marL="0" indent="0">
+              <a:buNone/>
+            </a:pPr>
+            <a:r>
+              <a:rPr lang="en-AU" sz="1400" dirty="0">
+                <a:latin typeface="Courier New" panose="02070309020205020404" pitchFamily="49" charset="0"/>
+                <a:cs typeface="Courier New" panose="02070309020205020404" pitchFamily="49" charset="0"/>
+              </a:rPr>
+              <a:t>	</a:t>
+            </a:r>
+            <a:r>
+              <a:rPr lang="en-AU" sz="1400" dirty="0">
+                <a:solidFill>
+                  <a:srgbClr val="A50021"/>
+                </a:solidFill>
+                <a:latin typeface="Courier New" panose="02070309020205020404" pitchFamily="49" charset="0"/>
+                <a:cs typeface="Courier New" panose="02070309020205020404" pitchFamily="49" charset="0"/>
+              </a:rPr>
+              <a:t>$ python --version</a:t>
+            </a:r>
+            <a:endParaRPr lang="en-AU" sz="2800" dirty="0">
+              <a:solidFill>
+                <a:srgbClr val="A50021"/>
+              </a:solidFill>
+              <a:latin typeface="Courier New" panose="02070309020205020404" pitchFamily="49" charset="0"/>
+              <a:cs typeface="Courier New" panose="02070309020205020404" pitchFamily="49" charset="0"/>
+            </a:endParaRPr>
+          </a:p>
+          <a:p>
+            <a:r>
+              <a:rPr lang="en-AU" sz="1800" dirty="0"/>
+              <a:t>This will confirm if the python is installed and displays the version of the Python installed on  your machine.</a:t>
+            </a:r>
+          </a:p>
+          <a:p>
+            <a:pPr marL="0" indent="0">
+              <a:buNone/>
+            </a:pPr>
+            <a:endParaRPr lang="en-AU" sz="1800" dirty="0"/>
+          </a:p>
+          <a:p>
+            <a:endParaRPr lang="en-AU" sz="2800" dirty="0"/>
+          </a:p>
+          <a:p>
+            <a:endParaRPr lang="en-US" dirty="0"/>
+          </a:p>
+        </p:txBody>
+      </p:sp>
+      <p:pic>
+        <p:nvPicPr>
+          <p:cNvPr id="12" name="Content Placeholder 6" descr="Screen Clipping">
+            <a:extLst>
+              <a:ext uri="{FF2B5EF4-FFF2-40B4-BE49-F238E27FC236}">
+                <a16:creationId xmlns:a16="http://schemas.microsoft.com/office/drawing/2014/main" id="{C3961492-44AD-476D-BE3A-2FE28D00CF1B}"/>
+              </a:ext>
+            </a:extLst>
+          </p:cNvPr>
+          <p:cNvPicPr>
+            <a:picLocks noChangeAspect="1"/>
+          </p:cNvPicPr>
+          <p:nvPr/>
+        </p:nvPicPr>
+        <p:blipFill>
+          <a:blip r:embed="rId5" cstate="print">
+            <a:extLst>
+              <a:ext uri="{28A0092B-C50C-407E-A947-70E740481C1C}">
+                <a14:useLocalDpi xmlns:a14="http://schemas.microsoft.com/office/drawing/2010/main" val="0"/>
+              </a:ext>
+            </a:extLst>
+          </a:blip>
+          <a:stretch>
+            <a:fillRect/>
+          </a:stretch>
+        </p:blipFill>
+        <p:spPr>
+          <a:xfrm>
+            <a:off x="683567" y="4077072"/>
+            <a:ext cx="3659869" cy="1743476"/>
           </a:xfrm>
           <a:prstGeom prst="rect">
             <a:avLst/>

--- a/Python Fundamentals.pptx
+++ b/Python Fundamentals.pptx
@@ -5,7 +5,7 @@
     <p:sldMasterId id="2147483660" r:id="rId1"/>
   </p:sldMasterIdLst>
   <p:notesMasterIdLst>
-    <p:notesMasterId r:id="rId8"/>
+    <p:notesMasterId r:id="rId13"/>
   </p:notesMasterIdLst>
   <p:sldIdLst>
     <p:sldId id="256" r:id="rId2"/>
@@ -14,6 +14,11 @@
     <p:sldId id="260" r:id="rId5"/>
     <p:sldId id="261" r:id="rId6"/>
     <p:sldId id="262" r:id="rId7"/>
+    <p:sldId id="263" r:id="rId8"/>
+    <p:sldId id="264" r:id="rId9"/>
+    <p:sldId id="265" r:id="rId10"/>
+    <p:sldId id="266" r:id="rId11"/>
+    <p:sldId id="267" r:id="rId12"/>
   </p:sldIdLst>
   <p:sldSz cx="9144000" cy="6858000" type="screen4x3"/>
   <p:notesSz cx="6858000" cy="9144000"/>
@@ -213,7 +218,7 @@
           <a:p>
             <a:fld id="{AA801ADD-10F7-4A07-9867-B75E78E04F53}" type="datetimeFigureOut">
               <a:rPr lang="en-AU" smtClean="0"/>
-              <a:t>15/02/2018</a:t>
+              <a:t>19/02/2018</a:t>
             </a:fld>
             <a:endParaRPr lang="en-AU"/>
           </a:p>
@@ -565,6 +570,114 @@
 </p:notes>
 </file>
 
+<file path=ppt/notesSlides/notesSlide10.xml><?xml version="1.0" encoding="utf-8"?>
+<p:notes xmlns:a="http://schemas.openxmlformats.org/drawingml/2006/main" xmlns:r="http://schemas.openxmlformats.org/officeDocument/2006/relationships" xmlns:p="http://schemas.openxmlformats.org/presentationml/2006/main">
+  <p:cSld>
+    <p:spTree>
+      <p:nvGrpSpPr>
+        <p:cNvPr id="1" name=""/>
+        <p:cNvGrpSpPr/>
+        <p:nvPr/>
+      </p:nvGrpSpPr>
+      <p:grpSpPr>
+        <a:xfrm>
+          <a:off x="0" y="0"/>
+          <a:ext cx="0" cy="0"/>
+          <a:chOff x="0" y="0"/>
+          <a:chExt cx="0" cy="0"/>
+        </a:xfrm>
+      </p:grpSpPr>
+      <p:sp>
+        <p:nvSpPr>
+          <p:cNvPr id="2" name="Slide Image Placeholder 1"/>
+          <p:cNvSpPr>
+            <a:spLocks noGrp="1" noRot="1" noChangeAspect="1"/>
+          </p:cNvSpPr>
+          <p:nvPr>
+            <p:ph type="sldImg"/>
+          </p:nvPr>
+        </p:nvSpPr>
+        <p:spPr/>
+      </p:sp>
+      <p:sp>
+        <p:nvSpPr>
+          <p:cNvPr id="3" name="Notes Placeholder 2"/>
+          <p:cNvSpPr>
+            <a:spLocks noGrp="1"/>
+          </p:cNvSpPr>
+          <p:nvPr>
+            <p:ph type="body" idx="1"/>
+          </p:nvPr>
+        </p:nvSpPr>
+        <p:spPr/>
+        <p:txBody>
+          <a:bodyPr/>
+          <a:lstStyle/>
+          <a:p>
+            <a:pPr marL="228600" indent="-228600">
+              <a:buAutoNum type="arabicPeriod"/>
+            </a:pPr>
+            <a:r>
+              <a:rPr lang="en-AU" baseline="0" dirty="0"/>
+              <a:t>Default Python implementation of Python in C Python</a:t>
+            </a:r>
+          </a:p>
+          <a:p>
+            <a:pPr marL="228600" indent="-228600">
+              <a:buAutoNum type="arabicPeriod"/>
+            </a:pPr>
+            <a:r>
+              <a:rPr lang="en-AU" baseline="0" dirty="0"/>
+              <a:t>High level programming language is which uses natural language element</a:t>
+            </a:r>
+          </a:p>
+          <a:p>
+            <a:pPr marL="228600" indent="-228600">
+              <a:buAutoNum type="arabicPeriod"/>
+            </a:pPr>
+            <a:r>
+              <a:rPr lang="en-AU" dirty="0"/>
+              <a:t>No Compile/build time</a:t>
+            </a:r>
+          </a:p>
+        </p:txBody>
+      </p:sp>
+      <p:sp>
+        <p:nvSpPr>
+          <p:cNvPr id="4" name="Slide Number Placeholder 3"/>
+          <p:cNvSpPr>
+            <a:spLocks noGrp="1"/>
+          </p:cNvSpPr>
+          <p:nvPr>
+            <p:ph type="sldNum" sz="quarter" idx="10"/>
+          </p:nvPr>
+        </p:nvSpPr>
+        <p:spPr/>
+        <p:txBody>
+          <a:bodyPr/>
+          <a:lstStyle/>
+          <a:p>
+            <a:fld id="{023A1B71-2D27-406E-91C4-36BACCD2CD85}" type="slidenum">
+              <a:rPr lang="en-AU" smtClean="0"/>
+              <a:t>11</a:t>
+            </a:fld>
+            <a:endParaRPr lang="en-AU"/>
+          </a:p>
+        </p:txBody>
+      </p:sp>
+    </p:spTree>
+    <p:extLst>
+      <p:ext uri="{BB962C8B-B14F-4D97-AF65-F5344CB8AC3E}">
+        <p14:creationId xmlns:p14="http://schemas.microsoft.com/office/powerpoint/2010/main" val="4008935443"/>
+      </p:ext>
+    </p:extLst>
+  </p:cSld>
+  <p:clrMapOvr>
+    <a:masterClrMapping/>
+  </p:clrMapOvr>
+</p:notes>
+</file>
+
 <file path=ppt/notesSlides/notesSlide2.xml><?xml version="1.0" encoding="utf-8"?>
 <p:notes xmlns:a="http://schemas.openxmlformats.org/drawingml/2006/main" xmlns:r="http://schemas.openxmlformats.org/officeDocument/2006/relationships" xmlns:p="http://schemas.openxmlformats.org/presentationml/2006/main">
   <p:cSld>
@@ -630,6 +743,27 @@
               <a:rPr lang="en-AU" baseline="0" dirty="0"/>
               <a:t>High level programming language is which uses natural language element</a:t>
             </a:r>
+          </a:p>
+          <a:p>
+            <a:pPr marL="228600" indent="-228600">
+              <a:buAutoNum type="arabicPeriod"/>
+            </a:pPr>
+            <a:r>
+              <a:rPr lang="en-US" sz="1200" b="0" i="0" kern="1200" dirty="0">
+                <a:solidFill>
+                  <a:schemeClr val="tx1"/>
+                </a:solidFill>
+                <a:effectLst/>
+                <a:latin typeface="+mn-lt"/>
+                <a:ea typeface="+mn-ea"/>
+                <a:cs typeface="+mn-cs"/>
+              </a:rPr>
+              <a:t>interpreter is a program that executes other programs. </a:t>
+            </a:r>
+            <a:br>
+              <a:rPr lang="en-US" dirty="0"/>
+            </a:br>
+            <a:endParaRPr lang="en-AU" baseline="0" dirty="0"/>
           </a:p>
           <a:p>
             <a:pPr marL="228600" indent="-228600">
@@ -722,28 +856,7 @@
             <a:pPr marL="228600" indent="-228600">
               <a:buAutoNum type="arabicPeriod"/>
             </a:pPr>
-            <a:r>
-              <a:rPr lang="en-AU" baseline="0" dirty="0"/>
-              <a:t>Default Python implementation of Python in C Python</a:t>
-            </a:r>
-          </a:p>
-          <a:p>
-            <a:pPr marL="228600" indent="-228600">
-              <a:buAutoNum type="arabicPeriod"/>
-            </a:pPr>
-            <a:r>
-              <a:rPr lang="en-AU" baseline="0" dirty="0"/>
-              <a:t>High level programming language is which uses natural language element</a:t>
-            </a:r>
-          </a:p>
-          <a:p>
-            <a:pPr marL="228600" indent="-228600">
-              <a:buAutoNum type="arabicPeriod"/>
-            </a:pPr>
-            <a:r>
-              <a:rPr lang="en-AU" dirty="0"/>
-              <a:t>No Compile/build time</a:t>
-            </a:r>
+            <a:endParaRPr lang="en-AU" dirty="0"/>
           </a:p>
         </p:txBody>
       </p:sp>
@@ -830,28 +943,7 @@
             <a:pPr marL="228600" indent="-228600">
               <a:buAutoNum type="arabicPeriod"/>
             </a:pPr>
-            <a:r>
-              <a:rPr lang="en-AU" baseline="0" dirty="0"/>
-              <a:t>Default Python implementation of Python in C Python</a:t>
-            </a:r>
-          </a:p>
-          <a:p>
-            <a:pPr marL="228600" indent="-228600">
-              <a:buAutoNum type="arabicPeriod"/>
-            </a:pPr>
-            <a:r>
-              <a:rPr lang="en-AU" baseline="0" dirty="0"/>
-              <a:t>High level programming language is which uses natural language element</a:t>
-            </a:r>
-          </a:p>
-          <a:p>
-            <a:pPr marL="228600" indent="-228600">
-              <a:buAutoNum type="arabicPeriod"/>
-            </a:pPr>
-            <a:r>
-              <a:rPr lang="en-AU" dirty="0"/>
-              <a:t>No Compile/build time</a:t>
-            </a:r>
+            <a:endParaRPr lang="en-AU" dirty="0"/>
           </a:p>
         </p:txBody>
       </p:sp>
@@ -938,28 +1030,7 @@
             <a:pPr marL="228600" indent="-228600">
               <a:buAutoNum type="arabicPeriod"/>
             </a:pPr>
-            <a:r>
-              <a:rPr lang="en-AU" baseline="0" dirty="0"/>
-              <a:t>Default Python implementation of Python in C Python</a:t>
-            </a:r>
-          </a:p>
-          <a:p>
-            <a:pPr marL="228600" indent="-228600">
-              <a:buAutoNum type="arabicPeriod"/>
-            </a:pPr>
-            <a:r>
-              <a:rPr lang="en-AU" baseline="0" dirty="0"/>
-              <a:t>High level programming language is which uses natural language element</a:t>
-            </a:r>
-          </a:p>
-          <a:p>
-            <a:pPr marL="228600" indent="-228600">
-              <a:buAutoNum type="arabicPeriod"/>
-            </a:pPr>
-            <a:r>
-              <a:rPr lang="en-AU" dirty="0"/>
-              <a:t>No Compile/build time</a:t>
-            </a:r>
+            <a:endParaRPr lang="en-AU" dirty="0"/>
           </a:p>
         </p:txBody>
       </p:sp>
@@ -990,6 +1061,417 @@
     <p:extLst>
       <p:ext uri="{BB962C8B-B14F-4D97-AF65-F5344CB8AC3E}">
         <p14:creationId xmlns:p14="http://schemas.microsoft.com/office/powerpoint/2010/main" val="2886514651"/>
+      </p:ext>
+    </p:extLst>
+  </p:cSld>
+  <p:clrMapOvr>
+    <a:masterClrMapping/>
+  </p:clrMapOvr>
+</p:notes>
+</file>
+
+<file path=ppt/notesSlides/notesSlide6.xml><?xml version="1.0" encoding="utf-8"?>
+<p:notes xmlns:a="http://schemas.openxmlformats.org/drawingml/2006/main" xmlns:r="http://schemas.openxmlformats.org/officeDocument/2006/relationships" xmlns:p="http://schemas.openxmlformats.org/presentationml/2006/main">
+  <p:cSld>
+    <p:spTree>
+      <p:nvGrpSpPr>
+        <p:cNvPr id="1" name=""/>
+        <p:cNvGrpSpPr/>
+        <p:nvPr/>
+      </p:nvGrpSpPr>
+      <p:grpSpPr>
+        <a:xfrm>
+          <a:off x="0" y="0"/>
+          <a:ext cx="0" cy="0"/>
+          <a:chOff x="0" y="0"/>
+          <a:chExt cx="0" cy="0"/>
+        </a:xfrm>
+      </p:grpSpPr>
+      <p:sp>
+        <p:nvSpPr>
+          <p:cNvPr id="2" name="Slide Image Placeholder 1"/>
+          <p:cNvSpPr>
+            <a:spLocks noGrp="1" noRot="1" noChangeAspect="1"/>
+          </p:cNvSpPr>
+          <p:nvPr>
+            <p:ph type="sldImg"/>
+          </p:nvPr>
+        </p:nvSpPr>
+        <p:spPr/>
+      </p:sp>
+      <p:sp>
+        <p:nvSpPr>
+          <p:cNvPr id="3" name="Notes Placeholder 2"/>
+          <p:cNvSpPr>
+            <a:spLocks noGrp="1"/>
+          </p:cNvSpPr>
+          <p:nvPr>
+            <p:ph type="body" idx="1"/>
+          </p:nvPr>
+        </p:nvSpPr>
+        <p:spPr/>
+        <p:txBody>
+          <a:bodyPr/>
+          <a:lstStyle/>
+          <a:p>
+            <a:pPr marL="228600" indent="-228600">
+              <a:buAutoNum type="arabicPeriod"/>
+            </a:pPr>
+            <a:r>
+              <a:rPr lang="en-AU" baseline="0" dirty="0"/>
+              <a:t>Default Python implementation of Python in C Python</a:t>
+            </a:r>
+          </a:p>
+          <a:p>
+            <a:pPr marL="228600" indent="-228600">
+              <a:buAutoNum type="arabicPeriod"/>
+            </a:pPr>
+            <a:r>
+              <a:rPr lang="en-AU" baseline="0" dirty="0"/>
+              <a:t>High level programming language is which uses natural language element</a:t>
+            </a:r>
+          </a:p>
+          <a:p>
+            <a:pPr marL="228600" indent="-228600">
+              <a:buAutoNum type="arabicPeriod"/>
+            </a:pPr>
+            <a:r>
+              <a:rPr lang="en-AU" dirty="0"/>
+              <a:t>No Compile/build time</a:t>
+            </a:r>
+          </a:p>
+        </p:txBody>
+      </p:sp>
+      <p:sp>
+        <p:nvSpPr>
+          <p:cNvPr id="4" name="Slide Number Placeholder 3"/>
+          <p:cNvSpPr>
+            <a:spLocks noGrp="1"/>
+          </p:cNvSpPr>
+          <p:nvPr>
+            <p:ph type="sldNum" sz="quarter" idx="10"/>
+          </p:nvPr>
+        </p:nvSpPr>
+        <p:spPr/>
+        <p:txBody>
+          <a:bodyPr/>
+          <a:lstStyle/>
+          <a:p>
+            <a:fld id="{023A1B71-2D27-406E-91C4-36BACCD2CD85}" type="slidenum">
+              <a:rPr lang="en-AU" smtClean="0"/>
+              <a:t>7</a:t>
+            </a:fld>
+            <a:endParaRPr lang="en-AU"/>
+          </a:p>
+        </p:txBody>
+      </p:sp>
+    </p:spTree>
+    <p:extLst>
+      <p:ext uri="{BB962C8B-B14F-4D97-AF65-F5344CB8AC3E}">
+        <p14:creationId xmlns:p14="http://schemas.microsoft.com/office/powerpoint/2010/main" val="4204203434"/>
+      </p:ext>
+    </p:extLst>
+  </p:cSld>
+  <p:clrMapOvr>
+    <a:masterClrMapping/>
+  </p:clrMapOvr>
+</p:notes>
+</file>
+
+<file path=ppt/notesSlides/notesSlide7.xml><?xml version="1.0" encoding="utf-8"?>
+<p:notes xmlns:a="http://schemas.openxmlformats.org/drawingml/2006/main" xmlns:r="http://schemas.openxmlformats.org/officeDocument/2006/relationships" xmlns:p="http://schemas.openxmlformats.org/presentationml/2006/main">
+  <p:cSld>
+    <p:spTree>
+      <p:nvGrpSpPr>
+        <p:cNvPr id="1" name=""/>
+        <p:cNvGrpSpPr/>
+        <p:nvPr/>
+      </p:nvGrpSpPr>
+      <p:grpSpPr>
+        <a:xfrm>
+          <a:off x="0" y="0"/>
+          <a:ext cx="0" cy="0"/>
+          <a:chOff x="0" y="0"/>
+          <a:chExt cx="0" cy="0"/>
+        </a:xfrm>
+      </p:grpSpPr>
+      <p:sp>
+        <p:nvSpPr>
+          <p:cNvPr id="2" name="Slide Image Placeholder 1"/>
+          <p:cNvSpPr>
+            <a:spLocks noGrp="1" noRot="1" noChangeAspect="1"/>
+          </p:cNvSpPr>
+          <p:nvPr>
+            <p:ph type="sldImg"/>
+          </p:nvPr>
+        </p:nvSpPr>
+        <p:spPr/>
+      </p:sp>
+      <p:sp>
+        <p:nvSpPr>
+          <p:cNvPr id="3" name="Notes Placeholder 2"/>
+          <p:cNvSpPr>
+            <a:spLocks noGrp="1"/>
+          </p:cNvSpPr>
+          <p:nvPr>
+            <p:ph type="body" idx="1"/>
+          </p:nvPr>
+        </p:nvSpPr>
+        <p:spPr/>
+        <p:txBody>
+          <a:bodyPr/>
+          <a:lstStyle/>
+          <a:p>
+            <a:pPr marL="228600" indent="-228600">
+              <a:buAutoNum type="arabicPeriod"/>
+            </a:pPr>
+            <a:endParaRPr lang="en-AU" dirty="0"/>
+          </a:p>
+        </p:txBody>
+      </p:sp>
+      <p:sp>
+        <p:nvSpPr>
+          <p:cNvPr id="4" name="Slide Number Placeholder 3"/>
+          <p:cNvSpPr>
+            <a:spLocks noGrp="1"/>
+          </p:cNvSpPr>
+          <p:nvPr>
+            <p:ph type="sldNum" sz="quarter" idx="10"/>
+          </p:nvPr>
+        </p:nvSpPr>
+        <p:spPr/>
+        <p:txBody>
+          <a:bodyPr/>
+          <a:lstStyle/>
+          <a:p>
+            <a:fld id="{023A1B71-2D27-406E-91C4-36BACCD2CD85}" type="slidenum">
+              <a:rPr lang="en-AU" smtClean="0"/>
+              <a:t>8</a:t>
+            </a:fld>
+            <a:endParaRPr lang="en-AU"/>
+          </a:p>
+        </p:txBody>
+      </p:sp>
+    </p:spTree>
+    <p:extLst>
+      <p:ext uri="{BB962C8B-B14F-4D97-AF65-F5344CB8AC3E}">
+        <p14:creationId xmlns:p14="http://schemas.microsoft.com/office/powerpoint/2010/main" val="3282339408"/>
+      </p:ext>
+    </p:extLst>
+  </p:cSld>
+  <p:clrMapOvr>
+    <a:masterClrMapping/>
+  </p:clrMapOvr>
+</p:notes>
+</file>
+
+<file path=ppt/notesSlides/notesSlide8.xml><?xml version="1.0" encoding="utf-8"?>
+<p:notes xmlns:a="http://schemas.openxmlformats.org/drawingml/2006/main" xmlns:r="http://schemas.openxmlformats.org/officeDocument/2006/relationships" xmlns:p="http://schemas.openxmlformats.org/presentationml/2006/main">
+  <p:cSld>
+    <p:spTree>
+      <p:nvGrpSpPr>
+        <p:cNvPr id="1" name=""/>
+        <p:cNvGrpSpPr/>
+        <p:nvPr/>
+      </p:nvGrpSpPr>
+      <p:grpSpPr>
+        <a:xfrm>
+          <a:off x="0" y="0"/>
+          <a:ext cx="0" cy="0"/>
+          <a:chOff x="0" y="0"/>
+          <a:chExt cx="0" cy="0"/>
+        </a:xfrm>
+      </p:grpSpPr>
+      <p:sp>
+        <p:nvSpPr>
+          <p:cNvPr id="2" name="Slide Image Placeholder 1"/>
+          <p:cNvSpPr>
+            <a:spLocks noGrp="1" noRot="1" noChangeAspect="1"/>
+          </p:cNvSpPr>
+          <p:nvPr>
+            <p:ph type="sldImg"/>
+          </p:nvPr>
+        </p:nvSpPr>
+        <p:spPr/>
+      </p:sp>
+      <p:sp>
+        <p:nvSpPr>
+          <p:cNvPr id="3" name="Notes Placeholder 2"/>
+          <p:cNvSpPr>
+            <a:spLocks noGrp="1"/>
+          </p:cNvSpPr>
+          <p:nvPr>
+            <p:ph type="body" idx="1"/>
+          </p:nvPr>
+        </p:nvSpPr>
+        <p:spPr/>
+        <p:txBody>
+          <a:bodyPr/>
+          <a:lstStyle/>
+          <a:p>
+            <a:pPr marL="228600" indent="-228600">
+              <a:buAutoNum type="arabicPeriod"/>
+            </a:pPr>
+            <a:r>
+              <a:rPr lang="en-AU" baseline="0" dirty="0"/>
+              <a:t>Default Python implementation of Python in C Python</a:t>
+            </a:r>
+          </a:p>
+          <a:p>
+            <a:pPr marL="228600" indent="-228600">
+              <a:buAutoNum type="arabicPeriod"/>
+            </a:pPr>
+            <a:r>
+              <a:rPr lang="en-AU" baseline="0" dirty="0"/>
+              <a:t>High level programming language is which uses natural language element</a:t>
+            </a:r>
+          </a:p>
+          <a:p>
+            <a:pPr marL="228600" indent="-228600">
+              <a:buAutoNum type="arabicPeriod"/>
+            </a:pPr>
+            <a:r>
+              <a:rPr lang="en-AU" dirty="0"/>
+              <a:t>No Compile/build time</a:t>
+            </a:r>
+          </a:p>
+        </p:txBody>
+      </p:sp>
+      <p:sp>
+        <p:nvSpPr>
+          <p:cNvPr id="4" name="Slide Number Placeholder 3"/>
+          <p:cNvSpPr>
+            <a:spLocks noGrp="1"/>
+          </p:cNvSpPr>
+          <p:nvPr>
+            <p:ph type="sldNum" sz="quarter" idx="10"/>
+          </p:nvPr>
+        </p:nvSpPr>
+        <p:spPr/>
+        <p:txBody>
+          <a:bodyPr/>
+          <a:lstStyle/>
+          <a:p>
+            <a:fld id="{023A1B71-2D27-406E-91C4-36BACCD2CD85}" type="slidenum">
+              <a:rPr lang="en-AU" smtClean="0"/>
+              <a:t>9</a:t>
+            </a:fld>
+            <a:endParaRPr lang="en-AU"/>
+          </a:p>
+        </p:txBody>
+      </p:sp>
+    </p:spTree>
+    <p:extLst>
+      <p:ext uri="{BB962C8B-B14F-4D97-AF65-F5344CB8AC3E}">
+        <p14:creationId xmlns:p14="http://schemas.microsoft.com/office/powerpoint/2010/main" val="1889889533"/>
+      </p:ext>
+    </p:extLst>
+  </p:cSld>
+  <p:clrMapOvr>
+    <a:masterClrMapping/>
+  </p:clrMapOvr>
+</p:notes>
+</file>
+
+<file path=ppt/notesSlides/notesSlide9.xml><?xml version="1.0" encoding="utf-8"?>
+<p:notes xmlns:a="http://schemas.openxmlformats.org/drawingml/2006/main" xmlns:r="http://schemas.openxmlformats.org/officeDocument/2006/relationships" xmlns:p="http://schemas.openxmlformats.org/presentationml/2006/main">
+  <p:cSld>
+    <p:spTree>
+      <p:nvGrpSpPr>
+        <p:cNvPr id="1" name=""/>
+        <p:cNvGrpSpPr/>
+        <p:nvPr/>
+      </p:nvGrpSpPr>
+      <p:grpSpPr>
+        <a:xfrm>
+          <a:off x="0" y="0"/>
+          <a:ext cx="0" cy="0"/>
+          <a:chOff x="0" y="0"/>
+          <a:chExt cx="0" cy="0"/>
+        </a:xfrm>
+      </p:grpSpPr>
+      <p:sp>
+        <p:nvSpPr>
+          <p:cNvPr id="2" name="Slide Image Placeholder 1"/>
+          <p:cNvSpPr>
+            <a:spLocks noGrp="1" noRot="1" noChangeAspect="1"/>
+          </p:cNvSpPr>
+          <p:nvPr>
+            <p:ph type="sldImg"/>
+          </p:nvPr>
+        </p:nvSpPr>
+        <p:spPr/>
+      </p:sp>
+      <p:sp>
+        <p:nvSpPr>
+          <p:cNvPr id="3" name="Notes Placeholder 2"/>
+          <p:cNvSpPr>
+            <a:spLocks noGrp="1"/>
+          </p:cNvSpPr>
+          <p:nvPr>
+            <p:ph type="body" idx="1"/>
+          </p:nvPr>
+        </p:nvSpPr>
+        <p:spPr/>
+        <p:txBody>
+          <a:bodyPr/>
+          <a:lstStyle/>
+          <a:p>
+            <a:pPr marL="228600" indent="-228600">
+              <a:buAutoNum type="arabicPeriod"/>
+            </a:pPr>
+            <a:r>
+              <a:rPr lang="en-AU" baseline="0" dirty="0"/>
+              <a:t>Default Python implementation of Python in C Python</a:t>
+            </a:r>
+          </a:p>
+          <a:p>
+            <a:pPr marL="228600" indent="-228600">
+              <a:buAutoNum type="arabicPeriod"/>
+            </a:pPr>
+            <a:r>
+              <a:rPr lang="en-AU" baseline="0" dirty="0"/>
+              <a:t>High level programming language is which uses natural language element</a:t>
+            </a:r>
+          </a:p>
+          <a:p>
+            <a:pPr marL="228600" indent="-228600">
+              <a:buAutoNum type="arabicPeriod"/>
+            </a:pPr>
+            <a:r>
+              <a:rPr lang="en-AU" dirty="0"/>
+              <a:t>No Compile/build time</a:t>
+            </a:r>
+          </a:p>
+        </p:txBody>
+      </p:sp>
+      <p:sp>
+        <p:nvSpPr>
+          <p:cNvPr id="4" name="Slide Number Placeholder 3"/>
+          <p:cNvSpPr>
+            <a:spLocks noGrp="1"/>
+          </p:cNvSpPr>
+          <p:nvPr>
+            <p:ph type="sldNum" sz="quarter" idx="10"/>
+          </p:nvPr>
+        </p:nvSpPr>
+        <p:spPr/>
+        <p:txBody>
+          <a:bodyPr/>
+          <a:lstStyle/>
+          <a:p>
+            <a:fld id="{023A1B71-2D27-406E-91C4-36BACCD2CD85}" type="slidenum">
+              <a:rPr lang="en-AU" smtClean="0"/>
+              <a:t>10</a:t>
+            </a:fld>
+            <a:endParaRPr lang="en-AU"/>
+          </a:p>
+        </p:txBody>
+      </p:sp>
+    </p:spTree>
+    <p:extLst>
+      <p:ext uri="{BB962C8B-B14F-4D97-AF65-F5344CB8AC3E}">
+        <p14:creationId xmlns:p14="http://schemas.microsoft.com/office/powerpoint/2010/main" val="1335548233"/>
       </p:ext>
     </p:extLst>
   </p:cSld>
@@ -7080,6 +7562,274 @@
 </p:sld>
 </file>
 
+<file path=ppt/slides/slide10.xml><?xml version="1.0" encoding="utf-8"?>
+<p:sld xmlns:a="http://schemas.openxmlformats.org/drawingml/2006/main" xmlns:r="http://schemas.openxmlformats.org/officeDocument/2006/relationships" xmlns:p="http://schemas.openxmlformats.org/presentationml/2006/main">
+  <p:cSld>
+    <p:spTree>
+      <p:nvGrpSpPr>
+        <p:cNvPr id="1" name=""/>
+        <p:cNvGrpSpPr/>
+        <p:nvPr/>
+      </p:nvGrpSpPr>
+      <p:grpSpPr>
+        <a:xfrm>
+          <a:off x="0" y="0"/>
+          <a:ext cx="0" cy="0"/>
+          <a:chOff x="0" y="0"/>
+          <a:chExt cx="0" cy="0"/>
+        </a:xfrm>
+      </p:grpSpPr>
+      <p:sp>
+        <p:nvSpPr>
+          <p:cNvPr id="2" name="Title 1"/>
+          <p:cNvSpPr>
+            <a:spLocks noGrp="1"/>
+          </p:cNvSpPr>
+          <p:nvPr>
+            <p:ph type="title"/>
+          </p:nvPr>
+        </p:nvSpPr>
+        <p:spPr/>
+        <p:txBody>
+          <a:bodyPr/>
+          <a:lstStyle/>
+          <a:p>
+            <a:r>
+              <a:rPr lang="en-AU" dirty="0"/>
+              <a:t>PyCharm – How to install</a:t>
+            </a:r>
+          </a:p>
+        </p:txBody>
+      </p:sp>
+      <p:sp>
+        <p:nvSpPr>
+          <p:cNvPr id="5" name="Slide Number Placeholder 4"/>
+          <p:cNvSpPr>
+            <a:spLocks noGrp="1"/>
+          </p:cNvSpPr>
+          <p:nvPr>
+            <p:ph type="sldNum" sz="quarter" idx="12"/>
+          </p:nvPr>
+        </p:nvSpPr>
+        <p:spPr/>
+        <p:txBody>
+          <a:bodyPr/>
+          <a:lstStyle/>
+          <a:p>
+            <a:r>
+              <a:rPr lang="en-US" dirty="0"/>
+              <a:t>1.9</a:t>
+            </a:r>
+          </a:p>
+        </p:txBody>
+      </p:sp>
+      <p:sp>
+        <p:nvSpPr>
+          <p:cNvPr id="10" name="Text Placeholder 9"/>
+          <p:cNvSpPr>
+            <a:spLocks noGrp="1"/>
+          </p:cNvSpPr>
+          <p:nvPr>
+            <p:ph sz="quarter" idx="1"/>
+          </p:nvPr>
+        </p:nvSpPr>
+        <p:spPr/>
+        <p:txBody>
+          <a:bodyPr>
+            <a:normAutofit/>
+          </a:bodyPr>
+          <a:lstStyle/>
+          <a:p>
+            <a:r>
+              <a:rPr lang="en-AU" sz="1800" dirty="0"/>
+              <a:t>Python can be downloaded and installed from standard installers which are available on Python official website. </a:t>
+            </a:r>
+          </a:p>
+          <a:p>
+            <a:endParaRPr lang="en-AU" sz="1800" dirty="0"/>
+          </a:p>
+          <a:p>
+            <a:endParaRPr lang="en-AU" sz="1800" dirty="0"/>
+          </a:p>
+        </p:txBody>
+      </p:sp>
+      <p:pic>
+        <p:nvPicPr>
+          <p:cNvPr id="9" name="Picture 8"/>
+          <p:cNvPicPr>
+            <a:picLocks noChangeAspect="1"/>
+          </p:cNvPicPr>
+          <p:nvPr/>
+        </p:nvPicPr>
+        <p:blipFill>
+          <a:blip r:embed="rId3" cstate="print">
+            <a:extLst>
+              <a:ext uri="{28A0092B-C50C-407E-A947-70E740481C1C}">
+                <a14:useLocalDpi xmlns:a14="http://schemas.microsoft.com/office/drawing/2010/main" val="0"/>
+              </a:ext>
+            </a:extLst>
+          </a:blip>
+          <a:stretch>
+            <a:fillRect/>
+          </a:stretch>
+        </p:blipFill>
+        <p:spPr>
+          <a:xfrm>
+            <a:off x="279326" y="6381328"/>
+            <a:ext cx="332234" cy="332234"/>
+          </a:xfrm>
+          <a:prstGeom prst="rect">
+            <a:avLst/>
+          </a:prstGeom>
+        </p:spPr>
+      </p:pic>
+    </p:spTree>
+    <p:extLst>
+      <p:ext uri="{BB962C8B-B14F-4D97-AF65-F5344CB8AC3E}">
+        <p14:creationId xmlns:p14="http://schemas.microsoft.com/office/powerpoint/2010/main" val="1554861169"/>
+      </p:ext>
+    </p:extLst>
+  </p:cSld>
+  <p:clrMapOvr>
+    <a:masterClrMapping/>
+  </p:clrMapOvr>
+  <p:transition spd="slow">
+    <p:wheel spokes="1"/>
+  </p:transition>
+</p:sld>
+</file>
+
+<file path=ppt/slides/slide11.xml><?xml version="1.0" encoding="utf-8"?>
+<p:sld xmlns:a="http://schemas.openxmlformats.org/drawingml/2006/main" xmlns:r="http://schemas.openxmlformats.org/officeDocument/2006/relationships" xmlns:p="http://schemas.openxmlformats.org/presentationml/2006/main">
+  <p:cSld>
+    <p:spTree>
+      <p:nvGrpSpPr>
+        <p:cNvPr id="1" name=""/>
+        <p:cNvGrpSpPr/>
+        <p:nvPr/>
+      </p:nvGrpSpPr>
+      <p:grpSpPr>
+        <a:xfrm>
+          <a:off x="0" y="0"/>
+          <a:ext cx="0" cy="0"/>
+          <a:chOff x="0" y="0"/>
+          <a:chExt cx="0" cy="0"/>
+        </a:xfrm>
+      </p:grpSpPr>
+      <p:sp>
+        <p:nvSpPr>
+          <p:cNvPr id="2" name="Title 1"/>
+          <p:cNvSpPr>
+            <a:spLocks noGrp="1"/>
+          </p:cNvSpPr>
+          <p:nvPr>
+            <p:ph type="title"/>
+          </p:nvPr>
+        </p:nvSpPr>
+        <p:spPr/>
+        <p:txBody>
+          <a:bodyPr/>
+          <a:lstStyle/>
+          <a:p>
+            <a:r>
+              <a:rPr lang="en-AU" dirty="0"/>
+              <a:t>Python – Other Resources</a:t>
+            </a:r>
+          </a:p>
+        </p:txBody>
+      </p:sp>
+      <p:sp>
+        <p:nvSpPr>
+          <p:cNvPr id="5" name="Slide Number Placeholder 4"/>
+          <p:cNvSpPr>
+            <a:spLocks noGrp="1"/>
+          </p:cNvSpPr>
+          <p:nvPr>
+            <p:ph type="sldNum" sz="quarter" idx="12"/>
+          </p:nvPr>
+        </p:nvSpPr>
+        <p:spPr/>
+        <p:txBody>
+          <a:bodyPr/>
+          <a:lstStyle/>
+          <a:p>
+            <a:r>
+              <a:rPr lang="en-US" dirty="0"/>
+              <a:t>1.10</a:t>
+            </a:r>
+          </a:p>
+        </p:txBody>
+      </p:sp>
+      <p:sp>
+        <p:nvSpPr>
+          <p:cNvPr id="10" name="Text Placeholder 9"/>
+          <p:cNvSpPr>
+            <a:spLocks noGrp="1"/>
+          </p:cNvSpPr>
+          <p:nvPr>
+            <p:ph sz="quarter" idx="1"/>
+          </p:nvPr>
+        </p:nvSpPr>
+        <p:spPr/>
+        <p:txBody>
+          <a:bodyPr>
+            <a:normAutofit/>
+          </a:bodyPr>
+          <a:lstStyle/>
+          <a:p>
+            <a:endParaRPr lang="en-AU" sz="1800" dirty="0"/>
+          </a:p>
+          <a:p>
+            <a:endParaRPr lang="en-AU" sz="1800" dirty="0"/>
+          </a:p>
+        </p:txBody>
+      </p:sp>
+      <p:pic>
+        <p:nvPicPr>
+          <p:cNvPr id="9" name="Picture 8"/>
+          <p:cNvPicPr>
+            <a:picLocks noChangeAspect="1"/>
+          </p:cNvPicPr>
+          <p:nvPr/>
+        </p:nvPicPr>
+        <p:blipFill>
+          <a:blip r:embed="rId3" cstate="print">
+            <a:extLst>
+              <a:ext uri="{28A0092B-C50C-407E-A947-70E740481C1C}">
+                <a14:useLocalDpi xmlns:a14="http://schemas.microsoft.com/office/drawing/2010/main" val="0"/>
+              </a:ext>
+            </a:extLst>
+          </a:blip>
+          <a:stretch>
+            <a:fillRect/>
+          </a:stretch>
+        </p:blipFill>
+        <p:spPr>
+          <a:xfrm>
+            <a:off x="279326" y="6381328"/>
+            <a:ext cx="332234" cy="332234"/>
+          </a:xfrm>
+          <a:prstGeom prst="rect">
+            <a:avLst/>
+          </a:prstGeom>
+        </p:spPr>
+      </p:pic>
+    </p:spTree>
+    <p:extLst>
+      <p:ext uri="{BB962C8B-B14F-4D97-AF65-F5344CB8AC3E}">
+        <p14:creationId xmlns:p14="http://schemas.microsoft.com/office/powerpoint/2010/main" val="475485870"/>
+      </p:ext>
+    </p:extLst>
+  </p:cSld>
+  <p:clrMapOvr>
+    <a:masterClrMapping/>
+  </p:clrMapOvr>
+  <p:transition spd="slow">
+    <p:wheel spokes="1"/>
+  </p:transition>
+</p:sld>
+</file>
+
 <file path=ppt/slides/slide2.xml><?xml version="1.0" encoding="utf-8"?>
 <p:sld xmlns:a="http://schemas.openxmlformats.org/drawingml/2006/main" xmlns:r="http://schemas.openxmlformats.org/officeDocument/2006/relationships" xmlns:p="http://schemas.openxmlformats.org/presentationml/2006/main">
   <p:cSld>
@@ -7153,7 +7903,9 @@
         </p:nvSpPr>
         <p:spPr/>
         <p:txBody>
-          <a:bodyPr/>
+          <a:bodyPr>
+            <a:normAutofit/>
+          </a:bodyPr>
           <a:lstStyle/>
           <a:p>
             <a:r>
@@ -7182,13 +7934,13 @@
           <a:p>
             <a:r>
               <a:rPr lang="en-AU" dirty="0"/>
+              <a:t>Python IDLE</a:t>
+            </a:r>
+          </a:p>
+          <a:p>
+            <a:r>
+              <a:rPr lang="en-AU" dirty="0"/>
               <a:t>How to run Python programs</a:t>
-            </a:r>
-          </a:p>
-          <a:p>
-            <a:r>
-              <a:rPr lang="en-AU" dirty="0"/>
-              <a:t>Interactive Prompt / IDLE</a:t>
             </a:r>
           </a:p>
           <a:p>
@@ -7339,7 +8091,7 @@
         <p:spPr/>
         <p:txBody>
           <a:bodyPr>
-            <a:normAutofit/>
+            <a:normAutofit lnSpcReduction="10000"/>
           </a:bodyPr>
           <a:lstStyle/>
           <a:p>
@@ -7386,6 +8138,29 @@
             <a:r>
               <a:rPr lang="en-AU" sz="1800" dirty="0"/>
               <a:t>Python interpreter is the program which reads, evaluates and executes instructions written using python programming language</a:t>
+            </a:r>
+          </a:p>
+          <a:p>
+            <a:endParaRPr lang="en-AU" sz="1800" dirty="0"/>
+          </a:p>
+          <a:p>
+            <a:r>
+              <a:rPr lang="en-AU" sz="1800" dirty="0"/>
+              <a:t>Python interpreter is started by typing </a:t>
+            </a:r>
+            <a:r>
+              <a:rPr lang="en-AU" sz="1800" dirty="0">
+                <a:solidFill>
+                  <a:srgbClr val="A50021"/>
+                </a:solidFill>
+                <a:latin typeface="Courier New" panose="02070309020205020404" pitchFamily="49" charset="0"/>
+                <a:cs typeface="Courier New" panose="02070309020205020404" pitchFamily="49" charset="0"/>
+              </a:rPr>
+              <a:t>python</a:t>
+            </a:r>
+            <a:r>
+              <a:rPr lang="en-AU" sz="1800" dirty="0"/>
+              <a:t> on command prompt after python install</a:t>
             </a:r>
           </a:p>
           <a:p>
@@ -8080,10 +8855,636 @@
           </a:prstGeom>
         </p:spPr>
       </p:pic>
+      <p:pic>
+        <p:nvPicPr>
+          <p:cNvPr id="4" name="Picture 3" descr="Screen Clipping">
+            <a:extLst>
+              <a:ext uri="{FF2B5EF4-FFF2-40B4-BE49-F238E27FC236}">
+                <a16:creationId xmlns:a16="http://schemas.microsoft.com/office/drawing/2014/main" id="{A22793B4-A2AC-488A-B230-3A442DF5F09D}"/>
+              </a:ext>
+            </a:extLst>
+          </p:cNvPr>
+          <p:cNvPicPr>
+            <a:picLocks noChangeAspect="1"/>
+          </p:cNvPicPr>
+          <p:nvPr/>
+        </p:nvPicPr>
+        <p:blipFill>
+          <a:blip r:embed="rId6">
+            <a:extLst>
+              <a:ext uri="{28A0092B-C50C-407E-A947-70E740481C1C}">
+                <a14:useLocalDpi xmlns:a14="http://schemas.microsoft.com/office/drawing/2010/main" val="0"/>
+              </a:ext>
+            </a:extLst>
+          </a:blip>
+          <a:stretch>
+            <a:fillRect/>
+          </a:stretch>
+        </p:blipFill>
+        <p:spPr>
+          <a:xfrm>
+            <a:off x="5148064" y="4221088"/>
+            <a:ext cx="3492799" cy="1080120"/>
+          </a:xfrm>
+          <a:prstGeom prst="rect">
+            <a:avLst/>
+          </a:prstGeom>
+        </p:spPr>
+      </p:pic>
     </p:spTree>
     <p:extLst>
       <p:ext uri="{BB962C8B-B14F-4D97-AF65-F5344CB8AC3E}">
         <p14:creationId xmlns:p14="http://schemas.microsoft.com/office/powerpoint/2010/main" val="3306302310"/>
+      </p:ext>
+    </p:extLst>
+  </p:cSld>
+  <p:clrMapOvr>
+    <a:masterClrMapping/>
+  </p:clrMapOvr>
+  <p:transition spd="slow">
+    <p:wheel spokes="1"/>
+  </p:transition>
+</p:sld>
+</file>
+
+<file path=ppt/slides/slide7.xml><?xml version="1.0" encoding="utf-8"?>
+<p:sld xmlns:a="http://schemas.openxmlformats.org/drawingml/2006/main" xmlns:r="http://schemas.openxmlformats.org/officeDocument/2006/relationships" xmlns:p="http://schemas.openxmlformats.org/presentationml/2006/main">
+  <p:cSld>
+    <p:spTree>
+      <p:nvGrpSpPr>
+        <p:cNvPr id="1" name=""/>
+        <p:cNvGrpSpPr/>
+        <p:nvPr/>
+      </p:nvGrpSpPr>
+      <p:grpSpPr>
+        <a:xfrm>
+          <a:off x="0" y="0"/>
+          <a:ext cx="0" cy="0"/>
+          <a:chOff x="0" y="0"/>
+          <a:chExt cx="0" cy="0"/>
+        </a:xfrm>
+      </p:grpSpPr>
+      <p:sp>
+        <p:nvSpPr>
+          <p:cNvPr id="2" name="Title 1"/>
+          <p:cNvSpPr>
+            <a:spLocks noGrp="1"/>
+          </p:cNvSpPr>
+          <p:nvPr>
+            <p:ph type="title"/>
+          </p:nvPr>
+        </p:nvSpPr>
+        <p:spPr/>
+        <p:txBody>
+          <a:bodyPr/>
+          <a:lstStyle/>
+          <a:p>
+            <a:r>
+              <a:rPr lang="en-AU" dirty="0"/>
+              <a:t>Python IDLE</a:t>
+            </a:r>
+          </a:p>
+        </p:txBody>
+      </p:sp>
+      <p:sp>
+        <p:nvSpPr>
+          <p:cNvPr id="5" name="Slide Number Placeholder 4"/>
+          <p:cNvSpPr>
+            <a:spLocks noGrp="1"/>
+          </p:cNvSpPr>
+          <p:nvPr>
+            <p:ph type="sldNum" sz="quarter" idx="12"/>
+          </p:nvPr>
+        </p:nvSpPr>
+        <p:spPr/>
+        <p:txBody>
+          <a:bodyPr/>
+          <a:lstStyle/>
+          <a:p>
+            <a:r>
+              <a:rPr lang="en-US" dirty="0"/>
+              <a:t>1.6</a:t>
+            </a:r>
+          </a:p>
+        </p:txBody>
+      </p:sp>
+      <p:sp>
+        <p:nvSpPr>
+          <p:cNvPr id="10" name="Text Placeholder 9"/>
+          <p:cNvSpPr>
+            <a:spLocks noGrp="1"/>
+          </p:cNvSpPr>
+          <p:nvPr>
+            <p:ph sz="quarter" idx="1"/>
+          </p:nvPr>
+        </p:nvSpPr>
+        <p:spPr/>
+        <p:txBody>
+          <a:bodyPr>
+            <a:normAutofit/>
+          </a:bodyPr>
+          <a:lstStyle/>
+          <a:p>
+            <a:r>
+              <a:rPr lang="en-AU" sz="1800" dirty="0"/>
+              <a:t>Python IDLE</a:t>
+            </a:r>
+            <a:r>
+              <a:rPr lang="en-AU" sz="1200" i="1" dirty="0"/>
+              <a:t>(Integrated Development and Learning Environment)</a:t>
+            </a:r>
+            <a:r>
+              <a:rPr lang="en-AU" sz="1800" dirty="0"/>
+              <a:t> is installed as part of Python installation</a:t>
+            </a:r>
+          </a:p>
+          <a:p>
+            <a:r>
+              <a:rPr lang="en-AU" sz="1800" dirty="0"/>
+              <a:t>IDLE is equivalent of command prompt in windows and terminal session in Linux/Mac environment.</a:t>
+            </a:r>
+          </a:p>
+          <a:p>
+            <a:r>
+              <a:rPr lang="en-AU" sz="1800" dirty="0"/>
+              <a:t>On Windows you can find IDLE in Start button menu for Python after Python install</a:t>
+            </a:r>
+          </a:p>
+          <a:p>
+            <a:r>
+              <a:rPr lang="en-AU" sz="1800" dirty="0"/>
+              <a:t>You can execute python statements in IDLE</a:t>
+            </a:r>
+          </a:p>
+          <a:p>
+            <a:r>
+              <a:rPr lang="en-AU" sz="1800" dirty="0"/>
+              <a:t>Its also known as REPL (R-Read E-evaluate P-Print L-Loop)</a:t>
+            </a:r>
+          </a:p>
+          <a:p>
+            <a:r>
+              <a:rPr lang="en-AU" sz="1800" dirty="0"/>
+              <a:t>Its similar to Python prompt with added features like auto-indent, code completion , code highlighting etc.</a:t>
+            </a:r>
+          </a:p>
+          <a:p>
+            <a:r>
+              <a:rPr lang="en-AU" sz="1800" dirty="0"/>
+              <a:t>Other available IDE are PyCharm, </a:t>
+            </a:r>
+            <a:r>
+              <a:rPr lang="en-AU" sz="1800" dirty="0" err="1"/>
+              <a:t>PyDev</a:t>
+            </a:r>
+            <a:r>
+              <a:rPr lang="en-AU" sz="1800" dirty="0"/>
+              <a:t>, Spyder, Eclipse etc</a:t>
+            </a:r>
+          </a:p>
+          <a:p>
+            <a:r>
+              <a:rPr lang="en-AU" sz="1800" dirty="0"/>
+              <a:t>We will use PyCharm through out this course for writing python programs</a:t>
+            </a:r>
+          </a:p>
+          <a:p>
+            <a:endParaRPr lang="en-AU" sz="1800" dirty="0"/>
+          </a:p>
+          <a:p>
+            <a:endParaRPr lang="en-AU" sz="1800" dirty="0"/>
+          </a:p>
+        </p:txBody>
+      </p:sp>
+      <p:pic>
+        <p:nvPicPr>
+          <p:cNvPr id="9" name="Picture 8"/>
+          <p:cNvPicPr>
+            <a:picLocks noChangeAspect="1"/>
+          </p:cNvPicPr>
+          <p:nvPr/>
+        </p:nvPicPr>
+        <p:blipFill>
+          <a:blip r:embed="rId3" cstate="print">
+            <a:extLst>
+              <a:ext uri="{28A0092B-C50C-407E-A947-70E740481C1C}">
+                <a14:useLocalDpi xmlns:a14="http://schemas.microsoft.com/office/drawing/2010/main" val="0"/>
+              </a:ext>
+            </a:extLst>
+          </a:blip>
+          <a:stretch>
+            <a:fillRect/>
+          </a:stretch>
+        </p:blipFill>
+        <p:spPr>
+          <a:xfrm>
+            <a:off x="279326" y="6381328"/>
+            <a:ext cx="332234" cy="332234"/>
+          </a:xfrm>
+          <a:prstGeom prst="rect">
+            <a:avLst/>
+          </a:prstGeom>
+        </p:spPr>
+      </p:pic>
+    </p:spTree>
+    <p:extLst>
+      <p:ext uri="{BB962C8B-B14F-4D97-AF65-F5344CB8AC3E}">
+        <p14:creationId xmlns:p14="http://schemas.microsoft.com/office/powerpoint/2010/main" val="3574234777"/>
+      </p:ext>
+    </p:extLst>
+  </p:cSld>
+  <p:clrMapOvr>
+    <a:masterClrMapping/>
+  </p:clrMapOvr>
+  <p:transition spd="slow">
+    <p:wheel spokes="1"/>
+  </p:transition>
+</p:sld>
+</file>
+
+<file path=ppt/slides/slide8.xml><?xml version="1.0" encoding="utf-8"?>
+<p:sld xmlns:a="http://schemas.openxmlformats.org/drawingml/2006/main" xmlns:r="http://schemas.openxmlformats.org/officeDocument/2006/relationships" xmlns:p="http://schemas.openxmlformats.org/presentationml/2006/main">
+  <p:cSld>
+    <p:spTree>
+      <p:nvGrpSpPr>
+        <p:cNvPr id="1" name=""/>
+        <p:cNvGrpSpPr/>
+        <p:nvPr/>
+      </p:nvGrpSpPr>
+      <p:grpSpPr>
+        <a:xfrm>
+          <a:off x="0" y="0"/>
+          <a:ext cx="0" cy="0"/>
+          <a:chOff x="0" y="0"/>
+          <a:chExt cx="0" cy="0"/>
+        </a:xfrm>
+      </p:grpSpPr>
+      <p:sp>
+        <p:nvSpPr>
+          <p:cNvPr id="2" name="Title 1"/>
+          <p:cNvSpPr>
+            <a:spLocks noGrp="1"/>
+          </p:cNvSpPr>
+          <p:nvPr>
+            <p:ph type="title"/>
+          </p:nvPr>
+        </p:nvSpPr>
+        <p:spPr/>
+        <p:txBody>
+          <a:bodyPr/>
+          <a:lstStyle/>
+          <a:p>
+            <a:r>
+              <a:rPr lang="en-AU" dirty="0"/>
+              <a:t>How to run Python program</a:t>
+            </a:r>
+          </a:p>
+        </p:txBody>
+      </p:sp>
+      <p:sp>
+        <p:nvSpPr>
+          <p:cNvPr id="5" name="Slide Number Placeholder 4"/>
+          <p:cNvSpPr>
+            <a:spLocks noGrp="1"/>
+          </p:cNvSpPr>
+          <p:nvPr>
+            <p:ph type="sldNum" sz="quarter" idx="12"/>
+          </p:nvPr>
+        </p:nvSpPr>
+        <p:spPr/>
+        <p:txBody>
+          <a:bodyPr/>
+          <a:lstStyle/>
+          <a:p>
+            <a:r>
+              <a:rPr lang="en-US" dirty="0"/>
+              <a:t>1.7</a:t>
+            </a:r>
+          </a:p>
+        </p:txBody>
+      </p:sp>
+      <p:sp>
+        <p:nvSpPr>
+          <p:cNvPr id="10" name="Text Placeholder 9"/>
+          <p:cNvSpPr>
+            <a:spLocks noGrp="1"/>
+          </p:cNvSpPr>
+          <p:nvPr>
+            <p:ph sz="quarter" idx="1"/>
+          </p:nvPr>
+        </p:nvSpPr>
+        <p:spPr/>
+        <p:txBody>
+          <a:bodyPr>
+            <a:normAutofit/>
+          </a:bodyPr>
+          <a:lstStyle/>
+          <a:p>
+            <a:r>
+              <a:rPr lang="en-AU" sz="1800" dirty="0"/>
+              <a:t>You can run your python code interactively or via a python file</a:t>
+            </a:r>
+          </a:p>
+          <a:p>
+            <a:r>
+              <a:rPr lang="en-AU" sz="1800" dirty="0"/>
+              <a:t>You can execute python statements interactively on python prompt or using IDLE</a:t>
+            </a:r>
+          </a:p>
+          <a:p>
+            <a:r>
+              <a:rPr lang="en-AU" sz="1800" dirty="0"/>
+              <a:t>To start an interactive session type </a:t>
+            </a:r>
+            <a:r>
+              <a:rPr lang="en-AU" sz="1800" dirty="0">
+                <a:solidFill>
+                  <a:srgbClr val="A50021"/>
+                </a:solidFill>
+                <a:latin typeface="Courier New" panose="02070309020205020404" pitchFamily="49" charset="0"/>
+                <a:cs typeface="Courier New" panose="02070309020205020404" pitchFamily="49" charset="0"/>
+              </a:rPr>
+              <a:t>python</a:t>
+            </a:r>
+            <a:r>
+              <a:rPr lang="en-AU" sz="1800" dirty="0"/>
+              <a:t> at your operating system’s prompt</a:t>
+            </a:r>
+          </a:p>
+          <a:p>
+            <a:r>
+              <a:rPr lang="en-AU" sz="1800" dirty="0"/>
+              <a:t>Ensure that directory where python is installed is added to your system path</a:t>
+            </a:r>
+          </a:p>
+          <a:p>
+            <a:r>
+              <a:rPr lang="en-AU" sz="1800" dirty="0"/>
+              <a:t>When you see &gt;&gt;&gt; prompt you are in Python’s interactive session</a:t>
+            </a:r>
+          </a:p>
+          <a:p>
+            <a:r>
+              <a:rPr lang="en-AU" sz="1800" dirty="0"/>
+              <a:t>Code typed on python interactive prompt is never stored; lost after execution</a:t>
+            </a:r>
+          </a:p>
+          <a:p>
+            <a:r>
+              <a:rPr lang="en-AU" sz="1800" dirty="0"/>
+              <a:t>For saving your code, you need to write the code in a text file and save this file</a:t>
+            </a:r>
+          </a:p>
+          <a:p>
+            <a:r>
+              <a:rPr lang="en-AU" sz="1800" dirty="0"/>
+              <a:t>Code files are saved with extension </a:t>
+            </a:r>
+            <a:r>
+              <a:rPr lang="en-AU" sz="1800" dirty="0">
+                <a:solidFill>
+                  <a:srgbClr val="A50021"/>
+                </a:solidFill>
+                <a:latin typeface="Courier New" panose="02070309020205020404" pitchFamily="49" charset="0"/>
+                <a:cs typeface="Courier New" panose="02070309020205020404" pitchFamily="49" charset="0"/>
+              </a:rPr>
+              <a:t>“.</a:t>
+            </a:r>
+            <a:r>
+              <a:rPr lang="en-AU" sz="1800" dirty="0" err="1">
+                <a:solidFill>
+                  <a:srgbClr val="A50021"/>
+                </a:solidFill>
+                <a:latin typeface="Courier New" panose="02070309020205020404" pitchFamily="49" charset="0"/>
+                <a:cs typeface="Courier New" panose="02070309020205020404" pitchFamily="49" charset="0"/>
+              </a:rPr>
+              <a:t>py</a:t>
+            </a:r>
+            <a:r>
+              <a:rPr lang="en-AU" sz="1800" dirty="0">
+                <a:solidFill>
+                  <a:srgbClr val="A50021"/>
+                </a:solidFill>
+                <a:latin typeface="Courier New" panose="02070309020205020404" pitchFamily="49" charset="0"/>
+                <a:cs typeface="Courier New" panose="02070309020205020404" pitchFamily="49" charset="0"/>
+              </a:rPr>
+              <a:t>”</a:t>
+            </a:r>
+            <a:r>
+              <a:rPr lang="en-AU" sz="1800" dirty="0"/>
+              <a:t>. These are also called modules or programs</a:t>
+            </a:r>
+          </a:p>
+          <a:p>
+            <a:r>
+              <a:rPr lang="en-AU" sz="1800" dirty="0"/>
+              <a:t>Python modules or programs can be run with the same python command and by providing the module name(along with extension)</a:t>
+            </a:r>
+          </a:p>
+          <a:p>
+            <a:pPr marL="0" indent="0">
+              <a:buNone/>
+            </a:pPr>
+            <a:r>
+              <a:rPr lang="en-AU" sz="1800" dirty="0"/>
+              <a:t>	e.g. </a:t>
+            </a:r>
+            <a:r>
+              <a:rPr lang="en-AU" sz="1800" dirty="0">
+                <a:solidFill>
+                  <a:srgbClr val="A50021"/>
+                </a:solidFill>
+                <a:latin typeface="Courier New" panose="02070309020205020404" pitchFamily="49" charset="0"/>
+                <a:cs typeface="Courier New" panose="02070309020205020404" pitchFamily="49" charset="0"/>
+              </a:rPr>
+              <a:t>python myprogram.py</a:t>
+            </a:r>
+          </a:p>
+          <a:p>
+            <a:r>
+              <a:rPr lang="en-AU" sz="1800" dirty="0"/>
+              <a:t>Myprogram.py is the name of the file you created which contains the python code to be executed.</a:t>
+            </a:r>
+          </a:p>
+          <a:p>
+            <a:endParaRPr lang="en-AU" sz="1800" dirty="0"/>
+          </a:p>
+          <a:p>
+            <a:endParaRPr lang="en-AU" sz="1800" dirty="0"/>
+          </a:p>
+        </p:txBody>
+      </p:sp>
+      <p:pic>
+        <p:nvPicPr>
+          <p:cNvPr id="9" name="Picture 8"/>
+          <p:cNvPicPr>
+            <a:picLocks noChangeAspect="1"/>
+          </p:cNvPicPr>
+          <p:nvPr/>
+        </p:nvPicPr>
+        <p:blipFill>
+          <a:blip r:embed="rId3" cstate="print">
+            <a:extLst>
+              <a:ext uri="{28A0092B-C50C-407E-A947-70E740481C1C}">
+                <a14:useLocalDpi xmlns:a14="http://schemas.microsoft.com/office/drawing/2010/main" val="0"/>
+              </a:ext>
+            </a:extLst>
+          </a:blip>
+          <a:stretch>
+            <a:fillRect/>
+          </a:stretch>
+        </p:blipFill>
+        <p:spPr>
+          <a:xfrm>
+            <a:off x="279326" y="6381328"/>
+            <a:ext cx="332234" cy="332234"/>
+          </a:xfrm>
+          <a:prstGeom prst="rect">
+            <a:avLst/>
+          </a:prstGeom>
+        </p:spPr>
+      </p:pic>
+    </p:spTree>
+    <p:extLst>
+      <p:ext uri="{BB962C8B-B14F-4D97-AF65-F5344CB8AC3E}">
+        <p14:creationId xmlns:p14="http://schemas.microsoft.com/office/powerpoint/2010/main" val="4155706386"/>
+      </p:ext>
+    </p:extLst>
+  </p:cSld>
+  <p:clrMapOvr>
+    <a:masterClrMapping/>
+  </p:clrMapOvr>
+  <p:transition spd="slow">
+    <p:wheel spokes="1"/>
+  </p:transition>
+</p:sld>
+</file>
+
+<file path=ppt/slides/slide9.xml><?xml version="1.0" encoding="utf-8"?>
+<p:sld xmlns:a="http://schemas.openxmlformats.org/drawingml/2006/main" xmlns:r="http://schemas.openxmlformats.org/officeDocument/2006/relationships" xmlns:p="http://schemas.openxmlformats.org/presentationml/2006/main">
+  <p:cSld>
+    <p:spTree>
+      <p:nvGrpSpPr>
+        <p:cNvPr id="1" name=""/>
+        <p:cNvGrpSpPr/>
+        <p:nvPr/>
+      </p:nvGrpSpPr>
+      <p:grpSpPr>
+        <a:xfrm>
+          <a:off x="0" y="0"/>
+          <a:ext cx="0" cy="0"/>
+          <a:chOff x="0" y="0"/>
+          <a:chExt cx="0" cy="0"/>
+        </a:xfrm>
+      </p:grpSpPr>
+      <p:sp>
+        <p:nvSpPr>
+          <p:cNvPr id="2" name="Title 1"/>
+          <p:cNvSpPr>
+            <a:spLocks noGrp="1"/>
+          </p:cNvSpPr>
+          <p:nvPr>
+            <p:ph type="title"/>
+          </p:nvPr>
+        </p:nvSpPr>
+        <p:spPr/>
+        <p:txBody>
+          <a:bodyPr/>
+          <a:lstStyle/>
+          <a:p>
+            <a:r>
+              <a:rPr lang="en-AU" dirty="0"/>
+              <a:t>How Python runs the program</a:t>
+            </a:r>
+          </a:p>
+        </p:txBody>
+      </p:sp>
+      <p:sp>
+        <p:nvSpPr>
+          <p:cNvPr id="5" name="Slide Number Placeholder 4"/>
+          <p:cNvSpPr>
+            <a:spLocks noGrp="1"/>
+          </p:cNvSpPr>
+          <p:nvPr>
+            <p:ph type="sldNum" sz="quarter" idx="12"/>
+          </p:nvPr>
+        </p:nvSpPr>
+        <p:spPr/>
+        <p:txBody>
+          <a:bodyPr/>
+          <a:lstStyle/>
+          <a:p>
+            <a:r>
+              <a:rPr lang="en-US" dirty="0"/>
+              <a:t>1.8</a:t>
+            </a:r>
+          </a:p>
+        </p:txBody>
+      </p:sp>
+      <p:sp>
+        <p:nvSpPr>
+          <p:cNvPr id="10" name="Text Placeholder 9"/>
+          <p:cNvSpPr>
+            <a:spLocks noGrp="1"/>
+          </p:cNvSpPr>
+          <p:nvPr>
+            <p:ph sz="quarter" idx="1"/>
+          </p:nvPr>
+        </p:nvSpPr>
+        <p:spPr/>
+        <p:txBody>
+          <a:bodyPr>
+            <a:normAutofit/>
+          </a:bodyPr>
+          <a:lstStyle/>
+          <a:p>
+            <a:r>
+              <a:rPr lang="en-AU" sz="1800" dirty="0"/>
+              <a:t>Python can be downloaded and installed from standard installers which are available on Python official website. </a:t>
+            </a:r>
+          </a:p>
+          <a:p>
+            <a:endParaRPr lang="en-AU" sz="1800" dirty="0"/>
+          </a:p>
+          <a:p>
+            <a:endParaRPr lang="en-AU" sz="1800" dirty="0"/>
+          </a:p>
+        </p:txBody>
+      </p:sp>
+      <p:pic>
+        <p:nvPicPr>
+          <p:cNvPr id="9" name="Picture 8"/>
+          <p:cNvPicPr>
+            <a:picLocks noChangeAspect="1"/>
+          </p:cNvPicPr>
+          <p:nvPr/>
+        </p:nvPicPr>
+        <p:blipFill>
+          <a:blip r:embed="rId3" cstate="print">
+            <a:extLst>
+              <a:ext uri="{28A0092B-C50C-407E-A947-70E740481C1C}">
+                <a14:useLocalDpi xmlns:a14="http://schemas.microsoft.com/office/drawing/2010/main" val="0"/>
+              </a:ext>
+            </a:extLst>
+          </a:blip>
+          <a:stretch>
+            <a:fillRect/>
+          </a:stretch>
+        </p:blipFill>
+        <p:spPr>
+          <a:xfrm>
+            <a:off x="279326" y="6381328"/>
+            <a:ext cx="332234" cy="332234"/>
+          </a:xfrm>
+          <a:prstGeom prst="rect">
+            <a:avLst/>
+          </a:prstGeom>
+        </p:spPr>
+      </p:pic>
+    </p:spTree>
+    <p:extLst>
+      <p:ext uri="{BB962C8B-B14F-4D97-AF65-F5344CB8AC3E}">
+        <p14:creationId xmlns:p14="http://schemas.microsoft.com/office/powerpoint/2010/main" val="846331632"/>
       </p:ext>
     </p:extLst>
   </p:cSld>
